--- a/Mecanismes/003_MicroCompresseur/Schemas/SchemaCin.pptx
+++ b/Mecanismes/003_MicroCompresseur/Schemas/SchemaCin.pptx
@@ -301,7 +301,7 @@
             <a:fld id="{AA309A6D-C09C-4548-B29A-6CF363A7E532}" type="datetimeFigureOut">
               <a:rPr lang="fr-FR" smtClean="0"/>
               <a:pPr/>
-              <a:t>07/10/2014</a:t>
+              <a:t>16/10/2014</a:t>
             </a:fld>
             <a:endParaRPr lang="fr-BE"/>
           </a:p>
@@ -468,7 +468,7 @@
             <a:fld id="{AA309A6D-C09C-4548-B29A-6CF363A7E532}" type="datetimeFigureOut">
               <a:rPr lang="fr-FR" smtClean="0"/>
               <a:pPr/>
-              <a:t>07/10/2014</a:t>
+              <a:t>16/10/2014</a:t>
             </a:fld>
             <a:endParaRPr lang="fr-BE"/>
           </a:p>
@@ -645,7 +645,7 @@
             <a:fld id="{AA309A6D-C09C-4548-B29A-6CF363A7E532}" type="datetimeFigureOut">
               <a:rPr lang="fr-FR" smtClean="0"/>
               <a:pPr/>
-              <a:t>07/10/2014</a:t>
+              <a:t>16/10/2014</a:t>
             </a:fld>
             <a:endParaRPr lang="fr-BE"/>
           </a:p>
@@ -812,7 +812,7 @@
             <a:fld id="{AA309A6D-C09C-4548-B29A-6CF363A7E532}" type="datetimeFigureOut">
               <a:rPr lang="fr-FR" smtClean="0"/>
               <a:pPr/>
-              <a:t>07/10/2014</a:t>
+              <a:t>16/10/2014</a:t>
             </a:fld>
             <a:endParaRPr lang="fr-BE"/>
           </a:p>
@@ -1055,7 +1055,7 @@
             <a:fld id="{AA309A6D-C09C-4548-B29A-6CF363A7E532}" type="datetimeFigureOut">
               <a:rPr lang="fr-FR" smtClean="0"/>
               <a:pPr/>
-              <a:t>07/10/2014</a:t>
+              <a:t>16/10/2014</a:t>
             </a:fld>
             <a:endParaRPr lang="fr-BE"/>
           </a:p>
@@ -1340,7 +1340,7 @@
             <a:fld id="{AA309A6D-C09C-4548-B29A-6CF363A7E532}" type="datetimeFigureOut">
               <a:rPr lang="fr-FR" smtClean="0"/>
               <a:pPr/>
-              <a:t>07/10/2014</a:t>
+              <a:t>16/10/2014</a:t>
             </a:fld>
             <a:endParaRPr lang="fr-BE"/>
           </a:p>
@@ -1759,7 +1759,7 @@
             <a:fld id="{AA309A6D-C09C-4548-B29A-6CF363A7E532}" type="datetimeFigureOut">
               <a:rPr lang="fr-FR" smtClean="0"/>
               <a:pPr/>
-              <a:t>07/10/2014</a:t>
+              <a:t>16/10/2014</a:t>
             </a:fld>
             <a:endParaRPr lang="fr-BE"/>
           </a:p>
@@ -1874,7 +1874,7 @@
             <a:fld id="{AA309A6D-C09C-4548-B29A-6CF363A7E532}" type="datetimeFigureOut">
               <a:rPr lang="fr-FR" smtClean="0"/>
               <a:pPr/>
-              <a:t>07/10/2014</a:t>
+              <a:t>16/10/2014</a:t>
             </a:fld>
             <a:endParaRPr lang="fr-BE"/>
           </a:p>
@@ -1966,7 +1966,7 @@
             <a:fld id="{AA309A6D-C09C-4548-B29A-6CF363A7E532}" type="datetimeFigureOut">
               <a:rPr lang="fr-FR" smtClean="0"/>
               <a:pPr/>
-              <a:t>07/10/2014</a:t>
+              <a:t>16/10/2014</a:t>
             </a:fld>
             <a:endParaRPr lang="fr-BE"/>
           </a:p>
@@ -2240,7 +2240,7 @@
             <a:fld id="{AA309A6D-C09C-4548-B29A-6CF363A7E532}" type="datetimeFigureOut">
               <a:rPr lang="fr-FR" smtClean="0"/>
               <a:pPr/>
-              <a:t>07/10/2014</a:t>
+              <a:t>16/10/2014</a:t>
             </a:fld>
             <a:endParaRPr lang="fr-BE"/>
           </a:p>
@@ -2490,7 +2490,7 @@
             <a:fld id="{AA309A6D-C09C-4548-B29A-6CF363A7E532}" type="datetimeFigureOut">
               <a:rPr lang="fr-FR" smtClean="0"/>
               <a:pPr/>
-              <a:t>07/10/2014</a:t>
+              <a:t>16/10/2014</a:t>
             </a:fld>
             <a:endParaRPr lang="fr-BE"/>
           </a:p>
@@ -2700,7 +2700,7 @@
             <a:fld id="{AA309A6D-C09C-4548-B29A-6CF363A7E532}" type="datetimeFigureOut">
               <a:rPr lang="fr-FR" smtClean="0"/>
               <a:pPr/>
-              <a:t>07/10/2014</a:t>
+              <a:t>16/10/2014</a:t>
             </a:fld>
             <a:endParaRPr lang="fr-BE"/>
           </a:p>
@@ -2797,7 +2797,7 @@
           <a:blip r:embed="rId13" cstate="print">
             <a:extLst>
               <a:ext uri="{28A0092B-C50C-407E-A947-70E740481C1C}">
-                <a14:useLocalDpi xmlns:a14="http://schemas.microsoft.com/office/drawing/2010/main" xmlns="" val="0"/>
+                <a14:useLocalDpi xmlns:a14="http://schemas.microsoft.com/office/drawing/2010/main" val="0"/>
               </a:ext>
             </a:extLst>
           </a:blip>
@@ -2824,7 +2824,7 @@
         <p:spPr>
           <a:xfrm>
             <a:off x="0" y="0"/>
-            <a:ext cx="9144000" cy="6858000"/>
+            <a:ext cx="9143999" cy="6858000"/>
           </a:xfrm>
           <a:prstGeom prst="rect">
             <a:avLst/>
@@ -3215,8 +3215,8 @@
           </a:fontRef>
         </p:style>
       </p:cxnSp>
-      <mc:AlternateContent xmlns:mc="http://schemas.openxmlformats.org/markup-compatibility/2006">
-        <mc:Choice xmlns:a14="http://schemas.microsoft.com/office/drawing/2010/main" xmlns="" Requires="a14">
+      <mc:AlternateContent xmlns:mc="http://schemas.openxmlformats.org/markup-compatibility/2006" xmlns:a14="http://schemas.microsoft.com/office/drawing/2010/main">
+        <mc:Choice Requires="a14">
           <p:sp>
             <p:nvSpPr>
               <p:cNvPr id="121" name="ZoneTexte 120"/>
@@ -3272,7 +3272,7 @@
             </p:txBody>
           </p:sp>
         </mc:Choice>
-        <mc:Fallback>
+        <mc:Fallback xmlns="">
           <p:sp>
             <p:nvSpPr>
               <p:cNvPr id="121" name="ZoneTexte 120"/>
@@ -3311,8 +3311,8 @@
           </p:sp>
         </mc:Fallback>
       </mc:AlternateContent>
-      <mc:AlternateContent xmlns:mc="http://schemas.openxmlformats.org/markup-compatibility/2006">
-        <mc:Choice xmlns:a14="http://schemas.microsoft.com/office/drawing/2010/main" xmlns="" Requires="a14">
+      <mc:AlternateContent xmlns:mc="http://schemas.openxmlformats.org/markup-compatibility/2006" xmlns:a14="http://schemas.microsoft.com/office/drawing/2010/main">
+        <mc:Choice Requires="a14">
           <p:sp>
             <p:nvSpPr>
               <p:cNvPr id="122" name="ZoneTexte 121"/>
@@ -3368,7 +3368,7 @@
             </p:txBody>
           </p:sp>
         </mc:Choice>
-        <mc:Fallback>
+        <mc:Fallback xmlns="">
           <p:sp>
             <p:nvSpPr>
               <p:cNvPr id="122" name="ZoneTexte 121"/>
@@ -3453,7 +3453,7 @@
     </p:spTree>
     <p:extLst>
       <p:ext uri="{BB962C8B-B14F-4D97-AF65-F5344CB8AC3E}">
-        <p14:creationId xmlns:p14="http://schemas.microsoft.com/office/powerpoint/2010/main" xmlns="" val="62790317"/>
+        <p14:creationId xmlns:p14="http://schemas.microsoft.com/office/powerpoint/2010/main" val="62790317"/>
       </p:ext>
     </p:extLst>
   </p:cSld>
@@ -4600,8 +4600,8 @@
           </a:p>
         </p:txBody>
       </p:sp>
-      <mc:AlternateContent xmlns:mc="http://schemas.openxmlformats.org/markup-compatibility/2006">
-        <mc:Choice xmlns:a14="http://schemas.microsoft.com/office/drawing/2010/main" xmlns="" Requires="a14">
+      <mc:AlternateContent xmlns:mc="http://schemas.openxmlformats.org/markup-compatibility/2006" xmlns:a14="http://schemas.microsoft.com/office/drawing/2010/main">
+        <mc:Choice Requires="a14">
           <p:sp>
             <p:nvSpPr>
               <p:cNvPr id="103" name="ZoneTexte 102"/>
@@ -4645,7 +4645,7 @@
             </p:txBody>
           </p:sp>
         </mc:Choice>
-        <mc:Fallback>
+        <mc:Fallback xmlns="">
           <p:sp>
             <p:nvSpPr>
               <p:cNvPr id="103" name="ZoneTexte 102"/>
@@ -4684,8 +4684,8 @@
           </p:sp>
         </mc:Fallback>
       </mc:AlternateContent>
-      <mc:AlternateContent xmlns:mc="http://schemas.openxmlformats.org/markup-compatibility/2006">
-        <mc:Choice xmlns:a14="http://schemas.microsoft.com/office/drawing/2010/main" xmlns="" Requires="a14">
+      <mc:AlternateContent xmlns:mc="http://schemas.openxmlformats.org/markup-compatibility/2006" xmlns:a14="http://schemas.microsoft.com/office/drawing/2010/main">
+        <mc:Choice Requires="a14">
           <p:sp>
             <p:nvSpPr>
               <p:cNvPr id="104" name="ZoneTexte 103"/>
@@ -4729,7 +4729,7 @@
             </p:txBody>
           </p:sp>
         </mc:Choice>
-        <mc:Fallback>
+        <mc:Fallback xmlns="">
           <p:sp>
             <p:nvSpPr>
               <p:cNvPr id="104" name="ZoneTexte 103"/>
@@ -4768,8 +4768,8 @@
           </p:sp>
         </mc:Fallback>
       </mc:AlternateContent>
-      <mc:AlternateContent xmlns:mc="http://schemas.openxmlformats.org/markup-compatibility/2006">
-        <mc:Choice xmlns:a14="http://schemas.microsoft.com/office/drawing/2010/main" xmlns="" Requires="a14">
+      <mc:AlternateContent xmlns:mc="http://schemas.openxmlformats.org/markup-compatibility/2006" xmlns:a14="http://schemas.microsoft.com/office/drawing/2010/main">
+        <mc:Choice Requires="a14">
           <p:sp>
             <p:nvSpPr>
               <p:cNvPr id="105" name="ZoneTexte 104"/>
@@ -4813,7 +4813,7 @@
             </p:txBody>
           </p:sp>
         </mc:Choice>
-        <mc:Fallback>
+        <mc:Fallback xmlns="">
           <p:sp>
             <p:nvSpPr>
               <p:cNvPr id="105" name="ZoneTexte 104"/>
@@ -4852,8 +4852,8 @@
           </p:sp>
         </mc:Fallback>
       </mc:AlternateContent>
-      <mc:AlternateContent xmlns:mc="http://schemas.openxmlformats.org/markup-compatibility/2006">
-        <mc:Choice xmlns:a14="http://schemas.microsoft.com/office/drawing/2010/main" xmlns="" Requires="a14">
+      <mc:AlternateContent xmlns:mc="http://schemas.openxmlformats.org/markup-compatibility/2006" xmlns:a14="http://schemas.microsoft.com/office/drawing/2010/main">
+        <mc:Choice Requires="a14">
           <p:sp>
             <p:nvSpPr>
               <p:cNvPr id="106" name="ZoneTexte 105"/>
@@ -4897,7 +4897,7 @@
             </p:txBody>
           </p:sp>
         </mc:Choice>
-        <mc:Fallback>
+        <mc:Fallback xmlns="">
           <p:sp>
             <p:nvSpPr>
               <p:cNvPr id="106" name="ZoneTexte 105"/>
@@ -4936,8 +4936,8 @@
           </p:sp>
         </mc:Fallback>
       </mc:AlternateContent>
-      <mc:AlternateContent xmlns:mc="http://schemas.openxmlformats.org/markup-compatibility/2006">
-        <mc:Choice xmlns:a14="http://schemas.microsoft.com/office/drawing/2010/main" xmlns="" Requires="a14">
+      <mc:AlternateContent xmlns:mc="http://schemas.openxmlformats.org/markup-compatibility/2006" xmlns:a14="http://schemas.microsoft.com/office/drawing/2010/main">
+        <mc:Choice Requires="a14">
           <p:sp>
             <p:nvSpPr>
               <p:cNvPr id="107" name="ZoneTexte 106"/>
@@ -4981,7 +4981,7 @@
             </p:txBody>
           </p:sp>
         </mc:Choice>
-        <mc:Fallback>
+        <mc:Fallback xmlns="">
           <p:sp>
             <p:nvSpPr>
               <p:cNvPr id="107" name="ZoneTexte 106"/>
@@ -5191,8 +5191,8 @@
           </a:fontRef>
         </p:style>
       </p:cxnSp>
-      <mc:AlternateContent xmlns:mc="http://schemas.openxmlformats.org/markup-compatibility/2006">
-        <mc:Choice xmlns:a14="http://schemas.microsoft.com/office/drawing/2010/main" xmlns="" Requires="a14">
+      <mc:AlternateContent xmlns:mc="http://schemas.openxmlformats.org/markup-compatibility/2006" xmlns:a14="http://schemas.microsoft.com/office/drawing/2010/main">
+        <mc:Choice Requires="a14">
           <p:sp>
             <p:nvSpPr>
               <p:cNvPr id="121" name="ZoneTexte 120"/>
@@ -5248,7 +5248,7 @@
             </p:txBody>
           </p:sp>
         </mc:Choice>
-        <mc:Fallback>
+        <mc:Fallback xmlns="">
           <p:sp>
             <p:nvSpPr>
               <p:cNvPr id="121" name="ZoneTexte 120"/>
@@ -5287,8 +5287,8 @@
           </p:sp>
         </mc:Fallback>
       </mc:AlternateContent>
-      <mc:AlternateContent xmlns:mc="http://schemas.openxmlformats.org/markup-compatibility/2006">
-        <mc:Choice xmlns:a14="http://schemas.microsoft.com/office/drawing/2010/main" xmlns="" Requires="a14">
+      <mc:AlternateContent xmlns:mc="http://schemas.openxmlformats.org/markup-compatibility/2006" xmlns:a14="http://schemas.microsoft.com/office/drawing/2010/main">
+        <mc:Choice Requires="a14">
           <p:sp>
             <p:nvSpPr>
               <p:cNvPr id="122" name="ZoneTexte 121"/>
@@ -5344,7 +5344,7 @@
             </p:txBody>
           </p:sp>
         </mc:Choice>
-        <mc:Fallback>
+        <mc:Fallback xmlns="">
           <p:sp>
             <p:nvSpPr>
               <p:cNvPr id="122" name="ZoneTexte 121"/>
@@ -5755,7 +5755,7 @@
     </p:spTree>
     <p:extLst>
       <p:ext uri="{BB962C8B-B14F-4D97-AF65-F5344CB8AC3E}">
-        <p14:creationId xmlns:p14="http://schemas.microsoft.com/office/powerpoint/2010/main" xmlns="" val="3644370461"/>
+        <p14:creationId xmlns:p14="http://schemas.microsoft.com/office/powerpoint/2010/main" val="3644370461"/>
       </p:ext>
     </p:extLst>
   </p:cSld>
@@ -6902,8 +6902,8 @@
           </a:p>
         </p:txBody>
       </p:sp>
-      <mc:AlternateContent xmlns:mc="http://schemas.openxmlformats.org/markup-compatibility/2006">
-        <mc:Choice xmlns:a14="http://schemas.microsoft.com/office/drawing/2010/main" xmlns="" Requires="a14">
+      <mc:AlternateContent xmlns:mc="http://schemas.openxmlformats.org/markup-compatibility/2006" xmlns:a14="http://schemas.microsoft.com/office/drawing/2010/main">
+        <mc:Choice Requires="a14">
           <p:sp>
             <p:nvSpPr>
               <p:cNvPr id="103" name="ZoneTexte 102"/>
@@ -6947,7 +6947,7 @@
             </p:txBody>
           </p:sp>
         </mc:Choice>
-        <mc:Fallback>
+        <mc:Fallback xmlns="">
           <p:sp>
             <p:nvSpPr>
               <p:cNvPr id="103" name="ZoneTexte 102"/>
@@ -6986,8 +6986,8 @@
           </p:sp>
         </mc:Fallback>
       </mc:AlternateContent>
-      <mc:AlternateContent xmlns:mc="http://schemas.openxmlformats.org/markup-compatibility/2006">
-        <mc:Choice xmlns:a14="http://schemas.microsoft.com/office/drawing/2010/main" xmlns="" Requires="a14">
+      <mc:AlternateContent xmlns:mc="http://schemas.openxmlformats.org/markup-compatibility/2006" xmlns:a14="http://schemas.microsoft.com/office/drawing/2010/main">
+        <mc:Choice Requires="a14">
           <p:sp>
             <p:nvSpPr>
               <p:cNvPr id="104" name="ZoneTexte 103"/>
@@ -7031,7 +7031,7 @@
             </p:txBody>
           </p:sp>
         </mc:Choice>
-        <mc:Fallback>
+        <mc:Fallback xmlns="">
           <p:sp>
             <p:nvSpPr>
               <p:cNvPr id="104" name="ZoneTexte 103"/>
@@ -7070,8 +7070,8 @@
           </p:sp>
         </mc:Fallback>
       </mc:AlternateContent>
-      <mc:AlternateContent xmlns:mc="http://schemas.openxmlformats.org/markup-compatibility/2006">
-        <mc:Choice xmlns:a14="http://schemas.microsoft.com/office/drawing/2010/main" xmlns="" Requires="a14">
+      <mc:AlternateContent xmlns:mc="http://schemas.openxmlformats.org/markup-compatibility/2006" xmlns:a14="http://schemas.microsoft.com/office/drawing/2010/main">
+        <mc:Choice Requires="a14">
           <p:sp>
             <p:nvSpPr>
               <p:cNvPr id="105" name="ZoneTexte 104"/>
@@ -7115,7 +7115,7 @@
             </p:txBody>
           </p:sp>
         </mc:Choice>
-        <mc:Fallback>
+        <mc:Fallback xmlns="">
           <p:sp>
             <p:nvSpPr>
               <p:cNvPr id="105" name="ZoneTexte 104"/>
@@ -7154,8 +7154,8 @@
           </p:sp>
         </mc:Fallback>
       </mc:AlternateContent>
-      <mc:AlternateContent xmlns:mc="http://schemas.openxmlformats.org/markup-compatibility/2006">
-        <mc:Choice xmlns:a14="http://schemas.microsoft.com/office/drawing/2010/main" xmlns="" Requires="a14">
+      <mc:AlternateContent xmlns:mc="http://schemas.openxmlformats.org/markup-compatibility/2006" xmlns:a14="http://schemas.microsoft.com/office/drawing/2010/main">
+        <mc:Choice Requires="a14">
           <p:sp>
             <p:nvSpPr>
               <p:cNvPr id="106" name="ZoneTexte 105"/>
@@ -7199,7 +7199,7 @@
             </p:txBody>
           </p:sp>
         </mc:Choice>
-        <mc:Fallback>
+        <mc:Fallback xmlns="">
           <p:sp>
             <p:nvSpPr>
               <p:cNvPr id="106" name="ZoneTexte 105"/>
@@ -7238,8 +7238,8 @@
           </p:sp>
         </mc:Fallback>
       </mc:AlternateContent>
-      <mc:AlternateContent xmlns:mc="http://schemas.openxmlformats.org/markup-compatibility/2006">
-        <mc:Choice xmlns:a14="http://schemas.microsoft.com/office/drawing/2010/main" xmlns="" Requires="a14">
+      <mc:AlternateContent xmlns:mc="http://schemas.openxmlformats.org/markup-compatibility/2006" xmlns:a14="http://schemas.microsoft.com/office/drawing/2010/main">
+        <mc:Choice Requires="a14">
           <p:sp>
             <p:nvSpPr>
               <p:cNvPr id="107" name="ZoneTexte 106"/>
@@ -7283,7 +7283,7 @@
             </p:txBody>
           </p:sp>
         </mc:Choice>
-        <mc:Fallback>
+        <mc:Fallback xmlns="">
           <p:sp>
             <p:nvSpPr>
               <p:cNvPr id="107" name="ZoneTexte 106"/>
@@ -7493,8 +7493,8 @@
           </a:fontRef>
         </p:style>
       </p:cxnSp>
-      <mc:AlternateContent xmlns:mc="http://schemas.openxmlformats.org/markup-compatibility/2006">
-        <mc:Choice xmlns:a14="http://schemas.microsoft.com/office/drawing/2010/main" xmlns="" Requires="a14">
+      <mc:AlternateContent xmlns:mc="http://schemas.openxmlformats.org/markup-compatibility/2006" xmlns:a14="http://schemas.microsoft.com/office/drawing/2010/main">
+        <mc:Choice Requires="a14">
           <p:sp>
             <p:nvSpPr>
               <p:cNvPr id="121" name="ZoneTexte 120"/>
@@ -7550,7 +7550,7 @@
             </p:txBody>
           </p:sp>
         </mc:Choice>
-        <mc:Fallback>
+        <mc:Fallback xmlns="">
           <p:sp>
             <p:nvSpPr>
               <p:cNvPr id="121" name="ZoneTexte 120"/>
@@ -7589,8 +7589,8 @@
           </p:sp>
         </mc:Fallback>
       </mc:AlternateContent>
-      <mc:AlternateContent xmlns:mc="http://schemas.openxmlformats.org/markup-compatibility/2006">
-        <mc:Choice xmlns:a14="http://schemas.microsoft.com/office/drawing/2010/main" xmlns="" Requires="a14">
+      <mc:AlternateContent xmlns:mc="http://schemas.openxmlformats.org/markup-compatibility/2006" xmlns:a14="http://schemas.microsoft.com/office/drawing/2010/main">
+        <mc:Choice Requires="a14">
           <p:sp>
             <p:nvSpPr>
               <p:cNvPr id="122" name="ZoneTexte 121"/>
@@ -7646,7 +7646,7 @@
             </p:txBody>
           </p:sp>
         </mc:Choice>
-        <mc:Fallback>
+        <mc:Fallback xmlns="">
           <p:sp>
             <p:nvSpPr>
               <p:cNvPr id="122" name="ZoneTexte 121"/>
@@ -7688,7 +7688,7 @@
     </p:spTree>
     <p:extLst>
       <p:ext uri="{BB962C8B-B14F-4D97-AF65-F5344CB8AC3E}">
-        <p14:creationId xmlns:p14="http://schemas.microsoft.com/office/powerpoint/2010/main" xmlns="" val="2544393522"/>
+        <p14:creationId xmlns:p14="http://schemas.microsoft.com/office/powerpoint/2010/main" val="2544393522"/>
       </p:ext>
     </p:extLst>
   </p:cSld>
@@ -8883,8 +8883,8 @@
           </a:p>
         </p:txBody>
       </p:sp>
-      <mc:AlternateContent xmlns:mc="http://schemas.openxmlformats.org/markup-compatibility/2006">
-        <mc:Choice xmlns:a14="http://schemas.microsoft.com/office/drawing/2010/main" xmlns="" Requires="a14">
+      <mc:AlternateContent xmlns:mc="http://schemas.openxmlformats.org/markup-compatibility/2006" xmlns:a14="http://schemas.microsoft.com/office/drawing/2010/main">
+        <mc:Choice Requires="a14">
           <p:sp>
             <p:nvSpPr>
               <p:cNvPr id="103" name="ZoneTexte 102"/>
@@ -8928,7 +8928,7 @@
             </p:txBody>
           </p:sp>
         </mc:Choice>
-        <mc:Fallback>
+        <mc:Fallback xmlns="">
           <p:sp>
             <p:nvSpPr>
               <p:cNvPr id="103" name="ZoneTexte 102"/>
@@ -8967,8 +8967,8 @@
           </p:sp>
         </mc:Fallback>
       </mc:AlternateContent>
-      <mc:AlternateContent xmlns:mc="http://schemas.openxmlformats.org/markup-compatibility/2006">
-        <mc:Choice xmlns:a14="http://schemas.microsoft.com/office/drawing/2010/main" xmlns="" Requires="a14">
+      <mc:AlternateContent xmlns:mc="http://schemas.openxmlformats.org/markup-compatibility/2006" xmlns:a14="http://schemas.microsoft.com/office/drawing/2010/main">
+        <mc:Choice Requires="a14">
           <p:sp>
             <p:nvSpPr>
               <p:cNvPr id="104" name="ZoneTexte 103"/>
@@ -9012,7 +9012,7 @@
             </p:txBody>
           </p:sp>
         </mc:Choice>
-        <mc:Fallback>
+        <mc:Fallback xmlns="">
           <p:sp>
             <p:nvSpPr>
               <p:cNvPr id="104" name="ZoneTexte 103"/>
@@ -9051,8 +9051,8 @@
           </p:sp>
         </mc:Fallback>
       </mc:AlternateContent>
-      <mc:AlternateContent xmlns:mc="http://schemas.openxmlformats.org/markup-compatibility/2006">
-        <mc:Choice xmlns:a14="http://schemas.microsoft.com/office/drawing/2010/main" xmlns="" Requires="a14">
+      <mc:AlternateContent xmlns:mc="http://schemas.openxmlformats.org/markup-compatibility/2006" xmlns:a14="http://schemas.microsoft.com/office/drawing/2010/main">
+        <mc:Choice Requires="a14">
           <p:sp>
             <p:nvSpPr>
               <p:cNvPr id="105" name="ZoneTexte 104"/>
@@ -9096,7 +9096,7 @@
             </p:txBody>
           </p:sp>
         </mc:Choice>
-        <mc:Fallback>
+        <mc:Fallback xmlns="">
           <p:sp>
             <p:nvSpPr>
               <p:cNvPr id="105" name="ZoneTexte 104"/>
@@ -9135,8 +9135,8 @@
           </p:sp>
         </mc:Fallback>
       </mc:AlternateContent>
-      <mc:AlternateContent xmlns:mc="http://schemas.openxmlformats.org/markup-compatibility/2006">
-        <mc:Choice xmlns:a14="http://schemas.microsoft.com/office/drawing/2010/main" xmlns="" Requires="a14">
+      <mc:AlternateContent xmlns:mc="http://schemas.openxmlformats.org/markup-compatibility/2006" xmlns:a14="http://schemas.microsoft.com/office/drawing/2010/main">
+        <mc:Choice Requires="a14">
           <p:sp>
             <p:nvSpPr>
               <p:cNvPr id="106" name="ZoneTexte 105"/>
@@ -9180,7 +9180,7 @@
             </p:txBody>
           </p:sp>
         </mc:Choice>
-        <mc:Fallback>
+        <mc:Fallback xmlns="">
           <p:sp>
             <p:nvSpPr>
               <p:cNvPr id="106" name="ZoneTexte 105"/>
@@ -9219,8 +9219,8 @@
           </p:sp>
         </mc:Fallback>
       </mc:AlternateContent>
-      <mc:AlternateContent xmlns:mc="http://schemas.openxmlformats.org/markup-compatibility/2006">
-        <mc:Choice xmlns:a14="http://schemas.microsoft.com/office/drawing/2010/main" xmlns="" Requires="a14">
+      <mc:AlternateContent xmlns:mc="http://schemas.openxmlformats.org/markup-compatibility/2006" xmlns:a14="http://schemas.microsoft.com/office/drawing/2010/main">
+        <mc:Choice Requires="a14">
           <p:sp>
             <p:nvSpPr>
               <p:cNvPr id="107" name="ZoneTexte 106"/>
@@ -9264,7 +9264,7 @@
             </p:txBody>
           </p:sp>
         </mc:Choice>
-        <mc:Fallback>
+        <mc:Fallback xmlns="">
           <p:sp>
             <p:nvSpPr>
               <p:cNvPr id="107" name="ZoneTexte 106"/>
@@ -9474,8 +9474,8 @@
           </a:fontRef>
         </p:style>
       </p:cxnSp>
-      <mc:AlternateContent xmlns:mc="http://schemas.openxmlformats.org/markup-compatibility/2006">
-        <mc:Choice xmlns:a14="http://schemas.microsoft.com/office/drawing/2010/main" xmlns="" Requires="a14">
+      <mc:AlternateContent xmlns:mc="http://schemas.openxmlformats.org/markup-compatibility/2006" xmlns:a14="http://schemas.microsoft.com/office/drawing/2010/main">
+        <mc:Choice Requires="a14">
           <p:sp>
             <p:nvSpPr>
               <p:cNvPr id="121" name="ZoneTexte 120"/>
@@ -9531,7 +9531,7 @@
             </p:txBody>
           </p:sp>
         </mc:Choice>
-        <mc:Fallback>
+        <mc:Fallback xmlns="">
           <p:sp>
             <p:nvSpPr>
               <p:cNvPr id="121" name="ZoneTexte 120"/>
@@ -9570,8 +9570,8 @@
           </p:sp>
         </mc:Fallback>
       </mc:AlternateContent>
-      <mc:AlternateContent xmlns:mc="http://schemas.openxmlformats.org/markup-compatibility/2006">
-        <mc:Choice xmlns:a14="http://schemas.microsoft.com/office/drawing/2010/main" xmlns="" Requires="a14">
+      <mc:AlternateContent xmlns:mc="http://schemas.openxmlformats.org/markup-compatibility/2006" xmlns:a14="http://schemas.microsoft.com/office/drawing/2010/main">
+        <mc:Choice Requires="a14">
           <p:sp>
             <p:nvSpPr>
               <p:cNvPr id="122" name="ZoneTexte 121"/>
@@ -9627,7 +9627,7 @@
             </p:txBody>
           </p:sp>
         </mc:Choice>
-        <mc:Fallback>
+        <mc:Fallback xmlns="">
           <p:sp>
             <p:nvSpPr>
               <p:cNvPr id="122" name="ZoneTexte 121"/>
@@ -9669,7 +9669,7 @@
     </p:spTree>
     <p:extLst>
       <p:ext uri="{BB962C8B-B14F-4D97-AF65-F5344CB8AC3E}">
-        <p14:creationId xmlns:p14="http://schemas.microsoft.com/office/powerpoint/2010/main" xmlns="" val="1682685009"/>
+        <p14:creationId xmlns:p14="http://schemas.microsoft.com/office/powerpoint/2010/main" val="1682685009"/>
       </p:ext>
     </p:extLst>
   </p:cSld>
@@ -9703,6 +9703,36 @@
           <a:chExt cx="0" cy="0"/>
         </a:xfrm>
       </p:grpSpPr>
+      <p:pic>
+        <p:nvPicPr>
+          <p:cNvPr id="40" name="Image 39"/>
+          <p:cNvPicPr>
+            <a:picLocks noChangeAspect="1"/>
+          </p:cNvPicPr>
+          <p:nvPr/>
+        </p:nvPicPr>
+        <p:blipFill>
+          <a:blip r:embed="rId2" cstate="print">
+            <a:extLst>
+              <a:ext uri="{28A0092B-C50C-407E-A947-70E740481C1C}">
+                <a14:useLocalDpi xmlns:a14="http://schemas.microsoft.com/office/drawing/2010/main" val="0"/>
+              </a:ext>
+            </a:extLst>
+          </a:blip>
+          <a:stretch>
+            <a:fillRect/>
+          </a:stretch>
+        </p:blipFill>
+        <p:spPr>
+          <a:xfrm>
+            <a:off x="2147789" y="0"/>
+            <a:ext cx="4848421" cy="6858000"/>
+          </a:xfrm>
+          <a:prstGeom prst="rect">
+            <a:avLst/>
+          </a:prstGeom>
+        </p:spPr>
+      </p:pic>
       <p:sp>
         <p:nvSpPr>
           <p:cNvPr id="2" name="Rectangle 1"/>
@@ -9718,7 +9748,9 @@
             <a:avLst/>
           </a:prstGeom>
           <a:solidFill>
-            <a:schemeClr val="bg1"/>
+            <a:schemeClr val="bg1">
+              <a:alpha val="80000"/>
+            </a:schemeClr>
           </a:solidFill>
           <a:ln>
             <a:solidFill>
@@ -10592,8 +10624,8 @@
           </a:p>
         </p:txBody>
       </p:sp>
-      <mc:AlternateContent xmlns:mc="http://schemas.openxmlformats.org/markup-compatibility/2006">
-        <mc:Choice xmlns:a14="http://schemas.microsoft.com/office/drawing/2010/main" xmlns="" Requires="a14">
+      <mc:AlternateContent xmlns:mc="http://schemas.openxmlformats.org/markup-compatibility/2006" xmlns:a14="http://schemas.microsoft.com/office/drawing/2010/main">
+        <mc:Choice Requires="a14">
           <p:sp>
             <p:nvSpPr>
               <p:cNvPr id="103" name="ZoneTexte 102"/>
@@ -10637,7 +10669,7 @@
             </p:txBody>
           </p:sp>
         </mc:Choice>
-        <mc:Fallback>
+        <mc:Fallback xmlns="">
           <p:sp>
             <p:nvSpPr>
               <p:cNvPr id="103" name="ZoneTexte 102"/>
@@ -10655,7 +10687,7 @@
                 <a:avLst/>
               </a:prstGeom>
               <a:blipFill rotWithShape="1">
-                <a:blip r:embed="rId2"/>
+                <a:blip r:embed="rId3"/>
                 <a:stretch>
                   <a:fillRect/>
                 </a:stretch>
@@ -10676,8 +10708,8 @@
           </p:sp>
         </mc:Fallback>
       </mc:AlternateContent>
-      <mc:AlternateContent xmlns:mc="http://schemas.openxmlformats.org/markup-compatibility/2006">
-        <mc:Choice xmlns:a14="http://schemas.microsoft.com/office/drawing/2010/main" xmlns="" Requires="a14">
+      <mc:AlternateContent xmlns:mc="http://schemas.openxmlformats.org/markup-compatibility/2006" xmlns:a14="http://schemas.microsoft.com/office/drawing/2010/main">
+        <mc:Choice Requires="a14">
           <p:sp>
             <p:nvSpPr>
               <p:cNvPr id="105" name="ZoneTexte 104"/>
@@ -10721,7 +10753,7 @@
             </p:txBody>
           </p:sp>
         </mc:Choice>
-        <mc:Fallback>
+        <mc:Fallback xmlns="">
           <p:sp>
             <p:nvSpPr>
               <p:cNvPr id="105" name="ZoneTexte 104"/>
@@ -10739,7 +10771,7 @@
                 <a:avLst/>
               </a:prstGeom>
               <a:blipFill rotWithShape="1">
-                <a:blip r:embed="rId3"/>
+                <a:blip r:embed="rId4"/>
                 <a:stretch>
                   <a:fillRect/>
                 </a:stretch>
@@ -10760,8 +10792,8 @@
           </p:sp>
         </mc:Fallback>
       </mc:AlternateContent>
-      <mc:AlternateContent xmlns:mc="http://schemas.openxmlformats.org/markup-compatibility/2006">
-        <mc:Choice xmlns:a14="http://schemas.microsoft.com/office/drawing/2010/main" xmlns="" Requires="a14">
+      <mc:AlternateContent xmlns:mc="http://schemas.openxmlformats.org/markup-compatibility/2006" xmlns:a14="http://schemas.microsoft.com/office/drawing/2010/main">
+        <mc:Choice Requires="a14">
           <p:sp>
             <p:nvSpPr>
               <p:cNvPr id="106" name="ZoneTexte 105"/>
@@ -10805,7 +10837,7 @@
             </p:txBody>
           </p:sp>
         </mc:Choice>
-        <mc:Fallback>
+        <mc:Fallback xmlns="">
           <p:sp>
             <p:nvSpPr>
               <p:cNvPr id="106" name="ZoneTexte 105"/>
@@ -10823,7 +10855,7 @@
                 <a:avLst/>
               </a:prstGeom>
               <a:blipFill rotWithShape="1">
-                <a:blip r:embed="rId4"/>
+                <a:blip r:embed="rId5"/>
                 <a:stretch>
                   <a:fillRect/>
                 </a:stretch>
@@ -10844,8 +10876,8 @@
           </p:sp>
         </mc:Fallback>
       </mc:AlternateContent>
-      <mc:AlternateContent xmlns:mc="http://schemas.openxmlformats.org/markup-compatibility/2006">
-        <mc:Choice xmlns:a14="http://schemas.microsoft.com/office/drawing/2010/main" xmlns="" Requires="a14">
+      <mc:AlternateContent xmlns:mc="http://schemas.openxmlformats.org/markup-compatibility/2006" xmlns:a14="http://schemas.microsoft.com/office/drawing/2010/main">
+        <mc:Choice Requires="a14">
           <p:sp>
             <p:nvSpPr>
               <p:cNvPr id="107" name="ZoneTexte 106"/>
@@ -10889,7 +10921,7 @@
             </p:txBody>
           </p:sp>
         </mc:Choice>
-        <mc:Fallback>
+        <mc:Fallback xmlns="">
           <p:sp>
             <p:nvSpPr>
               <p:cNvPr id="107" name="ZoneTexte 106"/>
@@ -10907,7 +10939,7 @@
                 <a:avLst/>
               </a:prstGeom>
               <a:blipFill rotWithShape="1">
-                <a:blip r:embed="rId5"/>
+                <a:blip r:embed="rId6"/>
                 <a:stretch>
                   <a:fillRect/>
                 </a:stretch>
@@ -11099,8 +11131,8 @@
           </a:fontRef>
         </p:style>
       </p:cxnSp>
-      <mc:AlternateContent xmlns:mc="http://schemas.openxmlformats.org/markup-compatibility/2006">
-        <mc:Choice xmlns:a14="http://schemas.microsoft.com/office/drawing/2010/main" xmlns="" Requires="a14">
+      <mc:AlternateContent xmlns:mc="http://schemas.openxmlformats.org/markup-compatibility/2006" xmlns:a14="http://schemas.microsoft.com/office/drawing/2010/main">
+        <mc:Choice Requires="a14">
           <p:sp>
             <p:nvSpPr>
               <p:cNvPr id="121" name="ZoneTexte 120"/>
@@ -11156,7 +11188,7 @@
             </p:txBody>
           </p:sp>
         </mc:Choice>
-        <mc:Fallback>
+        <mc:Fallback xmlns="">
           <p:sp>
             <p:nvSpPr>
               <p:cNvPr id="121" name="ZoneTexte 120"/>
@@ -11174,7 +11206,7 @@
                 <a:avLst/>
               </a:prstGeom>
               <a:blipFill rotWithShape="1">
-                <a:blip r:embed="rId6"/>
+                <a:blip r:embed="rId7"/>
                 <a:stretch>
                   <a:fillRect t="-2222" r="-3922"/>
                 </a:stretch>
@@ -11195,8 +11227,8 @@
           </p:sp>
         </mc:Fallback>
       </mc:AlternateContent>
-      <mc:AlternateContent xmlns:mc="http://schemas.openxmlformats.org/markup-compatibility/2006">
-        <mc:Choice xmlns:a14="http://schemas.microsoft.com/office/drawing/2010/main" xmlns="" Requires="a14">
+      <mc:AlternateContent xmlns:mc="http://schemas.openxmlformats.org/markup-compatibility/2006" xmlns:a14="http://schemas.microsoft.com/office/drawing/2010/main">
+        <mc:Choice Requires="a14">
           <p:sp>
             <p:nvSpPr>
               <p:cNvPr id="122" name="ZoneTexte 121"/>
@@ -11252,7 +11284,7 @@
             </p:txBody>
           </p:sp>
         </mc:Choice>
-        <mc:Fallback>
+        <mc:Fallback xmlns="">
           <p:sp>
             <p:nvSpPr>
               <p:cNvPr id="122" name="ZoneTexte 121"/>
@@ -11270,7 +11302,7 @@
                 <a:avLst/>
               </a:prstGeom>
               <a:blipFill rotWithShape="1">
-                <a:blip r:embed="rId7"/>
+                <a:blip r:embed="rId8"/>
                 <a:stretch>
                   <a:fillRect t="-2222" r="-6000"/>
                 </a:stretch>
@@ -11410,7 +11442,7 @@
     </p:spTree>
     <p:extLst>
       <p:ext uri="{BB962C8B-B14F-4D97-AF65-F5344CB8AC3E}">
-        <p14:creationId xmlns:p14="http://schemas.microsoft.com/office/powerpoint/2010/main" xmlns="" val="1682685009"/>
+        <p14:creationId xmlns:p14="http://schemas.microsoft.com/office/powerpoint/2010/main" val="1682685009"/>
       </p:ext>
     </p:extLst>
   </p:cSld>
@@ -11444,8 +11476,8 @@
           <a:chExt cx="0" cy="0"/>
         </a:xfrm>
       </p:grpSpPr>
-      <mc:AlternateContent xmlns:mc="http://schemas.openxmlformats.org/markup-compatibility/2006">
-        <mc:Choice xmlns:a14="http://schemas.microsoft.com/office/drawing/2010/main" xmlns="" Requires="a14">
+      <mc:AlternateContent xmlns:mc="http://schemas.openxmlformats.org/markup-compatibility/2006" xmlns:a14="http://schemas.microsoft.com/office/drawing/2010/main">
+        <mc:Choice Requires="a14">
           <p:sp>
             <p:nvSpPr>
               <p:cNvPr id="103" name="ZoneTexte 102"/>
@@ -11489,7 +11521,7 @@
             </p:txBody>
           </p:sp>
         </mc:Choice>
-        <mc:Fallback>
+        <mc:Fallback xmlns="">
           <p:sp>
             <p:nvSpPr>
               <p:cNvPr id="103" name="ZoneTexte 102"/>
@@ -11528,8 +11560,8 @@
           </p:sp>
         </mc:Fallback>
       </mc:AlternateContent>
-      <mc:AlternateContent xmlns:mc="http://schemas.openxmlformats.org/markup-compatibility/2006">
-        <mc:Choice xmlns:a14="http://schemas.microsoft.com/office/drawing/2010/main" xmlns="" Requires="a14">
+      <mc:AlternateContent xmlns:mc="http://schemas.openxmlformats.org/markup-compatibility/2006" xmlns:a14="http://schemas.microsoft.com/office/drawing/2010/main">
+        <mc:Choice Requires="a14">
           <p:sp>
             <p:nvSpPr>
               <p:cNvPr id="104" name="ZoneTexte 103"/>
@@ -11573,7 +11605,7 @@
             </p:txBody>
           </p:sp>
         </mc:Choice>
-        <mc:Fallback>
+        <mc:Fallback xmlns="">
           <p:sp>
             <p:nvSpPr>
               <p:cNvPr id="104" name="ZoneTexte 103"/>
@@ -11612,8 +11644,8 @@
           </p:sp>
         </mc:Fallback>
       </mc:AlternateContent>
-      <mc:AlternateContent xmlns:mc="http://schemas.openxmlformats.org/markup-compatibility/2006">
-        <mc:Choice xmlns:a14="http://schemas.microsoft.com/office/drawing/2010/main" xmlns="" Requires="a14">
+      <mc:AlternateContent xmlns:mc="http://schemas.openxmlformats.org/markup-compatibility/2006" xmlns:a14="http://schemas.microsoft.com/office/drawing/2010/main">
+        <mc:Choice Requires="a14">
           <p:sp>
             <p:nvSpPr>
               <p:cNvPr id="105" name="ZoneTexte 104"/>
@@ -11657,7 +11689,7 @@
             </p:txBody>
           </p:sp>
         </mc:Choice>
-        <mc:Fallback>
+        <mc:Fallback xmlns="">
           <p:sp>
             <p:nvSpPr>
               <p:cNvPr id="105" name="ZoneTexte 104"/>
@@ -11696,8 +11728,8 @@
           </p:sp>
         </mc:Fallback>
       </mc:AlternateContent>
-      <mc:AlternateContent xmlns:mc="http://schemas.openxmlformats.org/markup-compatibility/2006">
-        <mc:Choice xmlns:a14="http://schemas.microsoft.com/office/drawing/2010/main" xmlns="" Requires="a14">
+      <mc:AlternateContent xmlns:mc="http://schemas.openxmlformats.org/markup-compatibility/2006" xmlns:a14="http://schemas.microsoft.com/office/drawing/2010/main">
+        <mc:Choice Requires="a14">
           <p:sp>
             <p:nvSpPr>
               <p:cNvPr id="106" name="ZoneTexte 105"/>
@@ -11741,7 +11773,7 @@
             </p:txBody>
           </p:sp>
         </mc:Choice>
-        <mc:Fallback>
+        <mc:Fallback xmlns="">
           <p:sp>
             <p:nvSpPr>
               <p:cNvPr id="106" name="ZoneTexte 105"/>
@@ -11780,8 +11812,8 @@
           </p:sp>
         </mc:Fallback>
       </mc:AlternateContent>
-      <mc:AlternateContent xmlns:mc="http://schemas.openxmlformats.org/markup-compatibility/2006">
-        <mc:Choice xmlns:a14="http://schemas.microsoft.com/office/drawing/2010/main" xmlns="" Requires="a14">
+      <mc:AlternateContent xmlns:mc="http://schemas.openxmlformats.org/markup-compatibility/2006" xmlns:a14="http://schemas.microsoft.com/office/drawing/2010/main">
+        <mc:Choice Requires="a14">
           <p:sp>
             <p:nvSpPr>
               <p:cNvPr id="107" name="ZoneTexte 106"/>
@@ -11825,7 +11857,7 @@
             </p:txBody>
           </p:sp>
         </mc:Choice>
-        <mc:Fallback>
+        <mc:Fallback xmlns="">
           <p:sp>
             <p:nvSpPr>
               <p:cNvPr id="107" name="ZoneTexte 106"/>
@@ -11930,8 +11962,8 @@
           </a:fontRef>
         </p:style>
       </p:cxnSp>
-      <mc:AlternateContent xmlns:mc="http://schemas.openxmlformats.org/markup-compatibility/2006">
-        <mc:Choice xmlns:a14="http://schemas.microsoft.com/office/drawing/2010/main" xmlns="" Requires="a14">
+      <mc:AlternateContent xmlns:mc="http://schemas.openxmlformats.org/markup-compatibility/2006" xmlns:a14="http://schemas.microsoft.com/office/drawing/2010/main">
+        <mc:Choice Requires="a14">
           <p:sp>
             <p:nvSpPr>
               <p:cNvPr id="121" name="ZoneTexte 120"/>
@@ -11987,7 +12019,7 @@
             </p:txBody>
           </p:sp>
         </mc:Choice>
-        <mc:Fallback>
+        <mc:Fallback xmlns="">
           <p:sp>
             <p:nvSpPr>
               <p:cNvPr id="121" name="ZoneTexte 120"/>
@@ -12026,8 +12058,8 @@
           </p:sp>
         </mc:Fallback>
       </mc:AlternateContent>
-      <mc:AlternateContent xmlns:mc="http://schemas.openxmlformats.org/markup-compatibility/2006">
-        <mc:Choice xmlns:a14="http://schemas.microsoft.com/office/drawing/2010/main" xmlns="" Requires="a14">
+      <mc:AlternateContent xmlns:mc="http://schemas.openxmlformats.org/markup-compatibility/2006" xmlns:a14="http://schemas.microsoft.com/office/drawing/2010/main">
+        <mc:Choice Requires="a14">
           <p:sp>
             <p:nvSpPr>
               <p:cNvPr id="122" name="ZoneTexte 121"/>
@@ -12083,7 +12115,7 @@
             </p:txBody>
           </p:sp>
         </mc:Choice>
-        <mc:Fallback>
+        <mc:Fallback xmlns="">
           <p:sp>
             <p:nvSpPr>
               <p:cNvPr id="122" name="ZoneTexte 121"/>
@@ -12350,7 +12382,7 @@
     </p:spTree>
     <p:extLst>
       <p:ext uri="{BB962C8B-B14F-4D97-AF65-F5344CB8AC3E}">
-        <p14:creationId xmlns:p14="http://schemas.microsoft.com/office/powerpoint/2010/main" xmlns="" val="359403155"/>
+        <p14:creationId xmlns:p14="http://schemas.microsoft.com/office/powerpoint/2010/main" val="359403155"/>
       </p:ext>
     </p:extLst>
   </p:cSld>
@@ -12384,8 +12416,8 @@
           <a:chExt cx="0" cy="0"/>
         </a:xfrm>
       </p:grpSpPr>
-      <mc:AlternateContent xmlns:mc="http://schemas.openxmlformats.org/markup-compatibility/2006">
-        <mc:Choice xmlns:a14="http://schemas.microsoft.com/office/drawing/2010/main" xmlns="" Requires="a14">
+      <mc:AlternateContent xmlns:mc="http://schemas.openxmlformats.org/markup-compatibility/2006" xmlns:a14="http://schemas.microsoft.com/office/drawing/2010/main">
+        <mc:Choice Requires="a14">
           <p:sp>
             <p:nvSpPr>
               <p:cNvPr id="103" name="ZoneTexte 102"/>
@@ -12429,7 +12461,7 @@
             </p:txBody>
           </p:sp>
         </mc:Choice>
-        <mc:Fallback>
+        <mc:Fallback xmlns="">
           <p:sp>
             <p:nvSpPr>
               <p:cNvPr id="103" name="ZoneTexte 102"/>
@@ -12468,8 +12500,8 @@
           </p:sp>
         </mc:Fallback>
       </mc:AlternateContent>
-      <mc:AlternateContent xmlns:mc="http://schemas.openxmlformats.org/markup-compatibility/2006">
-        <mc:Choice xmlns:a14="http://schemas.microsoft.com/office/drawing/2010/main" xmlns="" Requires="a14">
+      <mc:AlternateContent xmlns:mc="http://schemas.openxmlformats.org/markup-compatibility/2006" xmlns:a14="http://schemas.microsoft.com/office/drawing/2010/main">
+        <mc:Choice Requires="a14">
           <p:sp>
             <p:nvSpPr>
               <p:cNvPr id="104" name="ZoneTexte 103"/>
@@ -12513,7 +12545,7 @@
             </p:txBody>
           </p:sp>
         </mc:Choice>
-        <mc:Fallback>
+        <mc:Fallback xmlns="">
           <p:sp>
             <p:nvSpPr>
               <p:cNvPr id="104" name="ZoneTexte 103"/>
@@ -12552,8 +12584,8 @@
           </p:sp>
         </mc:Fallback>
       </mc:AlternateContent>
-      <mc:AlternateContent xmlns:mc="http://schemas.openxmlformats.org/markup-compatibility/2006">
-        <mc:Choice xmlns:a14="http://schemas.microsoft.com/office/drawing/2010/main" xmlns="" Requires="a14">
+      <mc:AlternateContent xmlns:mc="http://schemas.openxmlformats.org/markup-compatibility/2006" xmlns:a14="http://schemas.microsoft.com/office/drawing/2010/main">
+        <mc:Choice Requires="a14">
           <p:sp>
             <p:nvSpPr>
               <p:cNvPr id="105" name="ZoneTexte 104"/>
@@ -12597,7 +12629,7 @@
             </p:txBody>
           </p:sp>
         </mc:Choice>
-        <mc:Fallback>
+        <mc:Fallback xmlns="">
           <p:sp>
             <p:nvSpPr>
               <p:cNvPr id="105" name="ZoneTexte 104"/>
@@ -12636,8 +12668,8 @@
           </p:sp>
         </mc:Fallback>
       </mc:AlternateContent>
-      <mc:AlternateContent xmlns:mc="http://schemas.openxmlformats.org/markup-compatibility/2006">
-        <mc:Choice xmlns:a14="http://schemas.microsoft.com/office/drawing/2010/main" xmlns="" Requires="a14">
+      <mc:AlternateContent xmlns:mc="http://schemas.openxmlformats.org/markup-compatibility/2006" xmlns:a14="http://schemas.microsoft.com/office/drawing/2010/main">
+        <mc:Choice Requires="a14">
           <p:sp>
             <p:nvSpPr>
               <p:cNvPr id="106" name="ZoneTexte 105"/>
@@ -12681,7 +12713,7 @@
             </p:txBody>
           </p:sp>
         </mc:Choice>
-        <mc:Fallback>
+        <mc:Fallback xmlns="">
           <p:sp>
             <p:nvSpPr>
               <p:cNvPr id="106" name="ZoneTexte 105"/>
@@ -12720,8 +12752,8 @@
           </p:sp>
         </mc:Fallback>
       </mc:AlternateContent>
-      <mc:AlternateContent xmlns:mc="http://schemas.openxmlformats.org/markup-compatibility/2006">
-        <mc:Choice xmlns:a14="http://schemas.microsoft.com/office/drawing/2010/main" xmlns="" Requires="a14">
+      <mc:AlternateContent xmlns:mc="http://schemas.openxmlformats.org/markup-compatibility/2006" xmlns:a14="http://schemas.microsoft.com/office/drawing/2010/main">
+        <mc:Choice Requires="a14">
           <p:sp>
             <p:nvSpPr>
               <p:cNvPr id="107" name="ZoneTexte 106"/>
@@ -12765,7 +12797,7 @@
             </p:txBody>
           </p:sp>
         </mc:Choice>
-        <mc:Fallback>
+        <mc:Fallback xmlns="">
           <p:sp>
             <p:nvSpPr>
               <p:cNvPr id="107" name="ZoneTexte 106"/>
@@ -12870,8 +12902,8 @@
           </a:fontRef>
         </p:style>
       </p:cxnSp>
-      <mc:AlternateContent xmlns:mc="http://schemas.openxmlformats.org/markup-compatibility/2006">
-        <mc:Choice xmlns:a14="http://schemas.microsoft.com/office/drawing/2010/main" xmlns="" Requires="a14">
+      <mc:AlternateContent xmlns:mc="http://schemas.openxmlformats.org/markup-compatibility/2006" xmlns:a14="http://schemas.microsoft.com/office/drawing/2010/main">
+        <mc:Choice Requires="a14">
           <p:sp>
             <p:nvSpPr>
               <p:cNvPr id="121" name="ZoneTexte 120"/>
@@ -12927,7 +12959,7 @@
             </p:txBody>
           </p:sp>
         </mc:Choice>
-        <mc:Fallback>
+        <mc:Fallback xmlns="">
           <p:sp>
             <p:nvSpPr>
               <p:cNvPr id="121" name="ZoneTexte 120"/>
@@ -12966,8 +12998,8 @@
           </p:sp>
         </mc:Fallback>
       </mc:AlternateContent>
-      <mc:AlternateContent xmlns:mc="http://schemas.openxmlformats.org/markup-compatibility/2006">
-        <mc:Choice xmlns:a14="http://schemas.microsoft.com/office/drawing/2010/main" xmlns="" Requires="a14">
+      <mc:AlternateContent xmlns:mc="http://schemas.openxmlformats.org/markup-compatibility/2006" xmlns:a14="http://schemas.microsoft.com/office/drawing/2010/main">
+        <mc:Choice Requires="a14">
           <p:sp>
             <p:nvSpPr>
               <p:cNvPr id="122" name="ZoneTexte 121"/>
@@ -13023,7 +13055,7 @@
             </p:txBody>
           </p:sp>
         </mc:Choice>
-        <mc:Fallback>
+        <mc:Fallback xmlns="">
           <p:sp>
             <p:nvSpPr>
               <p:cNvPr id="122" name="ZoneTexte 121"/>
@@ -13434,7 +13466,7 @@
     </p:spTree>
     <p:extLst>
       <p:ext uri="{BB962C8B-B14F-4D97-AF65-F5344CB8AC3E}">
-        <p14:creationId xmlns:p14="http://schemas.microsoft.com/office/powerpoint/2010/main" xmlns="" val="489328289"/>
+        <p14:creationId xmlns:p14="http://schemas.microsoft.com/office/powerpoint/2010/main" val="489328289"/>
       </p:ext>
     </p:extLst>
   </p:cSld>
@@ -13671,8 +13703,8 @@
           </a:p>
         </p:txBody>
       </p:sp>
-      <mc:AlternateContent xmlns:mc="http://schemas.openxmlformats.org/markup-compatibility/2006">
-        <mc:Choice xmlns:a14="http://schemas.microsoft.com/office/drawing/2010/main" xmlns="" Requires="a14">
+      <mc:AlternateContent xmlns:mc="http://schemas.openxmlformats.org/markup-compatibility/2006" xmlns:a14="http://schemas.microsoft.com/office/drawing/2010/main">
+        <mc:Choice Requires="a14">
           <p:sp>
             <p:nvSpPr>
               <p:cNvPr id="103" name="ZoneTexte 102"/>
@@ -13716,7 +13748,7 @@
             </p:txBody>
           </p:sp>
         </mc:Choice>
-        <mc:Fallback>
+        <mc:Fallback xmlns="">
           <p:sp>
             <p:nvSpPr>
               <p:cNvPr id="103" name="ZoneTexte 102"/>
@@ -13755,8 +13787,8 @@
           </p:sp>
         </mc:Fallback>
       </mc:AlternateContent>
-      <mc:AlternateContent xmlns:mc="http://schemas.openxmlformats.org/markup-compatibility/2006">
-        <mc:Choice xmlns:a14="http://schemas.microsoft.com/office/drawing/2010/main" xmlns="" Requires="a14">
+      <mc:AlternateContent xmlns:mc="http://schemas.openxmlformats.org/markup-compatibility/2006" xmlns:a14="http://schemas.microsoft.com/office/drawing/2010/main">
+        <mc:Choice Requires="a14">
           <p:sp>
             <p:nvSpPr>
               <p:cNvPr id="104" name="ZoneTexte 103"/>
@@ -13800,7 +13832,7 @@
             </p:txBody>
           </p:sp>
         </mc:Choice>
-        <mc:Fallback>
+        <mc:Fallback xmlns="">
           <p:sp>
             <p:nvSpPr>
               <p:cNvPr id="104" name="ZoneTexte 103"/>
@@ -13839,8 +13871,8 @@
           </p:sp>
         </mc:Fallback>
       </mc:AlternateContent>
-      <mc:AlternateContent xmlns:mc="http://schemas.openxmlformats.org/markup-compatibility/2006">
-        <mc:Choice xmlns:a14="http://schemas.microsoft.com/office/drawing/2010/main" xmlns="" Requires="a14">
+      <mc:AlternateContent xmlns:mc="http://schemas.openxmlformats.org/markup-compatibility/2006" xmlns:a14="http://schemas.microsoft.com/office/drawing/2010/main">
+        <mc:Choice Requires="a14">
           <p:sp>
             <p:nvSpPr>
               <p:cNvPr id="105" name="ZoneTexte 104"/>
@@ -13884,7 +13916,7 @@
             </p:txBody>
           </p:sp>
         </mc:Choice>
-        <mc:Fallback>
+        <mc:Fallback xmlns="">
           <p:sp>
             <p:nvSpPr>
               <p:cNvPr id="105" name="ZoneTexte 104"/>
@@ -13923,8 +13955,8 @@
           </p:sp>
         </mc:Fallback>
       </mc:AlternateContent>
-      <mc:AlternateContent xmlns:mc="http://schemas.openxmlformats.org/markup-compatibility/2006">
-        <mc:Choice xmlns:a14="http://schemas.microsoft.com/office/drawing/2010/main" xmlns="" Requires="a14">
+      <mc:AlternateContent xmlns:mc="http://schemas.openxmlformats.org/markup-compatibility/2006" xmlns:a14="http://schemas.microsoft.com/office/drawing/2010/main">
+        <mc:Choice Requires="a14">
           <p:sp>
             <p:nvSpPr>
               <p:cNvPr id="106" name="ZoneTexte 105"/>
@@ -13968,7 +14000,7 @@
             </p:txBody>
           </p:sp>
         </mc:Choice>
-        <mc:Fallback>
+        <mc:Fallback xmlns="">
           <p:sp>
             <p:nvSpPr>
               <p:cNvPr id="106" name="ZoneTexte 105"/>
@@ -14007,8 +14039,8 @@
           </p:sp>
         </mc:Fallback>
       </mc:AlternateContent>
-      <mc:AlternateContent xmlns:mc="http://schemas.openxmlformats.org/markup-compatibility/2006">
-        <mc:Choice xmlns:a14="http://schemas.microsoft.com/office/drawing/2010/main" xmlns="" Requires="a14">
+      <mc:AlternateContent xmlns:mc="http://schemas.openxmlformats.org/markup-compatibility/2006" xmlns:a14="http://schemas.microsoft.com/office/drawing/2010/main">
+        <mc:Choice Requires="a14">
           <p:sp>
             <p:nvSpPr>
               <p:cNvPr id="107" name="ZoneTexte 106"/>
@@ -14052,7 +14084,7 @@
             </p:txBody>
           </p:sp>
         </mc:Choice>
-        <mc:Fallback>
+        <mc:Fallback xmlns="">
           <p:sp>
             <p:nvSpPr>
               <p:cNvPr id="107" name="ZoneTexte 106"/>
@@ -14157,8 +14189,8 @@
           </a:fontRef>
         </p:style>
       </p:cxnSp>
-      <mc:AlternateContent xmlns:mc="http://schemas.openxmlformats.org/markup-compatibility/2006">
-        <mc:Choice xmlns:a14="http://schemas.microsoft.com/office/drawing/2010/main" xmlns="" Requires="a14">
+      <mc:AlternateContent xmlns:mc="http://schemas.openxmlformats.org/markup-compatibility/2006" xmlns:a14="http://schemas.microsoft.com/office/drawing/2010/main">
+        <mc:Choice Requires="a14">
           <p:sp>
             <p:nvSpPr>
               <p:cNvPr id="121" name="ZoneTexte 120"/>
@@ -14214,7 +14246,7 @@
             </p:txBody>
           </p:sp>
         </mc:Choice>
-        <mc:Fallback>
+        <mc:Fallback xmlns="">
           <p:sp>
             <p:nvSpPr>
               <p:cNvPr id="121" name="ZoneTexte 120"/>
@@ -14253,8 +14285,8 @@
           </p:sp>
         </mc:Fallback>
       </mc:AlternateContent>
-      <mc:AlternateContent xmlns:mc="http://schemas.openxmlformats.org/markup-compatibility/2006">
-        <mc:Choice xmlns:a14="http://schemas.microsoft.com/office/drawing/2010/main" xmlns="" Requires="a14">
+      <mc:AlternateContent xmlns:mc="http://schemas.openxmlformats.org/markup-compatibility/2006" xmlns:a14="http://schemas.microsoft.com/office/drawing/2010/main">
+        <mc:Choice Requires="a14">
           <p:sp>
             <p:nvSpPr>
               <p:cNvPr id="122" name="ZoneTexte 121"/>
@@ -14310,7 +14342,7 @@
             </p:txBody>
           </p:sp>
         </mc:Choice>
-        <mc:Fallback>
+        <mc:Fallback xmlns="">
           <p:sp>
             <p:nvSpPr>
               <p:cNvPr id="122" name="ZoneTexte 121"/>
@@ -14791,7 +14823,7 @@
     </p:spTree>
     <p:extLst>
       <p:ext uri="{BB962C8B-B14F-4D97-AF65-F5344CB8AC3E}">
-        <p14:creationId xmlns:p14="http://schemas.microsoft.com/office/powerpoint/2010/main" xmlns="" val="2739151080"/>
+        <p14:creationId xmlns:p14="http://schemas.microsoft.com/office/powerpoint/2010/main" val="2739151080"/>
       </p:ext>
     </p:extLst>
   </p:cSld>
@@ -15155,8 +15187,8 @@
           </a:p>
         </p:txBody>
       </p:sp>
-      <mc:AlternateContent xmlns:mc="http://schemas.openxmlformats.org/markup-compatibility/2006">
-        <mc:Choice xmlns:a14="http://schemas.microsoft.com/office/drawing/2010/main" xmlns="" Requires="a14">
+      <mc:AlternateContent xmlns:mc="http://schemas.openxmlformats.org/markup-compatibility/2006" xmlns:a14="http://schemas.microsoft.com/office/drawing/2010/main">
+        <mc:Choice Requires="a14">
           <p:sp>
             <p:nvSpPr>
               <p:cNvPr id="103" name="ZoneTexte 102"/>
@@ -15200,7 +15232,7 @@
             </p:txBody>
           </p:sp>
         </mc:Choice>
-        <mc:Fallback>
+        <mc:Fallback xmlns="">
           <p:sp>
             <p:nvSpPr>
               <p:cNvPr id="103" name="ZoneTexte 102"/>
@@ -15239,8 +15271,8 @@
           </p:sp>
         </mc:Fallback>
       </mc:AlternateContent>
-      <mc:AlternateContent xmlns:mc="http://schemas.openxmlformats.org/markup-compatibility/2006">
-        <mc:Choice xmlns:a14="http://schemas.microsoft.com/office/drawing/2010/main" xmlns="" Requires="a14">
+      <mc:AlternateContent xmlns:mc="http://schemas.openxmlformats.org/markup-compatibility/2006" xmlns:a14="http://schemas.microsoft.com/office/drawing/2010/main">
+        <mc:Choice Requires="a14">
           <p:sp>
             <p:nvSpPr>
               <p:cNvPr id="104" name="ZoneTexte 103"/>
@@ -15284,7 +15316,7 @@
             </p:txBody>
           </p:sp>
         </mc:Choice>
-        <mc:Fallback>
+        <mc:Fallback xmlns="">
           <p:sp>
             <p:nvSpPr>
               <p:cNvPr id="104" name="ZoneTexte 103"/>
@@ -15323,8 +15355,8 @@
           </p:sp>
         </mc:Fallback>
       </mc:AlternateContent>
-      <mc:AlternateContent xmlns:mc="http://schemas.openxmlformats.org/markup-compatibility/2006">
-        <mc:Choice xmlns:a14="http://schemas.microsoft.com/office/drawing/2010/main" xmlns="" Requires="a14">
+      <mc:AlternateContent xmlns:mc="http://schemas.openxmlformats.org/markup-compatibility/2006" xmlns:a14="http://schemas.microsoft.com/office/drawing/2010/main">
+        <mc:Choice Requires="a14">
           <p:sp>
             <p:nvSpPr>
               <p:cNvPr id="105" name="ZoneTexte 104"/>
@@ -15368,7 +15400,7 @@
             </p:txBody>
           </p:sp>
         </mc:Choice>
-        <mc:Fallback>
+        <mc:Fallback xmlns="">
           <p:sp>
             <p:nvSpPr>
               <p:cNvPr id="105" name="ZoneTexte 104"/>
@@ -15407,8 +15439,8 @@
           </p:sp>
         </mc:Fallback>
       </mc:AlternateContent>
-      <mc:AlternateContent xmlns:mc="http://schemas.openxmlformats.org/markup-compatibility/2006">
-        <mc:Choice xmlns:a14="http://schemas.microsoft.com/office/drawing/2010/main" xmlns="" Requires="a14">
+      <mc:AlternateContent xmlns:mc="http://schemas.openxmlformats.org/markup-compatibility/2006" xmlns:a14="http://schemas.microsoft.com/office/drawing/2010/main">
+        <mc:Choice Requires="a14">
           <p:sp>
             <p:nvSpPr>
               <p:cNvPr id="106" name="ZoneTexte 105"/>
@@ -15452,7 +15484,7 @@
             </p:txBody>
           </p:sp>
         </mc:Choice>
-        <mc:Fallback>
+        <mc:Fallback xmlns="">
           <p:sp>
             <p:nvSpPr>
               <p:cNvPr id="106" name="ZoneTexte 105"/>
@@ -15491,8 +15523,8 @@
           </p:sp>
         </mc:Fallback>
       </mc:AlternateContent>
-      <mc:AlternateContent xmlns:mc="http://schemas.openxmlformats.org/markup-compatibility/2006">
-        <mc:Choice xmlns:a14="http://schemas.microsoft.com/office/drawing/2010/main" xmlns="" Requires="a14">
+      <mc:AlternateContent xmlns:mc="http://schemas.openxmlformats.org/markup-compatibility/2006" xmlns:a14="http://schemas.microsoft.com/office/drawing/2010/main">
+        <mc:Choice Requires="a14">
           <p:sp>
             <p:nvSpPr>
               <p:cNvPr id="107" name="ZoneTexte 106"/>
@@ -15536,7 +15568,7 @@
             </p:txBody>
           </p:sp>
         </mc:Choice>
-        <mc:Fallback>
+        <mc:Fallback xmlns="">
           <p:sp>
             <p:nvSpPr>
               <p:cNvPr id="107" name="ZoneTexte 106"/>
@@ -15641,8 +15673,8 @@
           </a:fontRef>
         </p:style>
       </p:cxnSp>
-      <mc:AlternateContent xmlns:mc="http://schemas.openxmlformats.org/markup-compatibility/2006">
-        <mc:Choice xmlns:a14="http://schemas.microsoft.com/office/drawing/2010/main" xmlns="" Requires="a14">
+      <mc:AlternateContent xmlns:mc="http://schemas.openxmlformats.org/markup-compatibility/2006" xmlns:a14="http://schemas.microsoft.com/office/drawing/2010/main">
+        <mc:Choice Requires="a14">
           <p:sp>
             <p:nvSpPr>
               <p:cNvPr id="121" name="ZoneTexte 120"/>
@@ -15698,7 +15730,7 @@
             </p:txBody>
           </p:sp>
         </mc:Choice>
-        <mc:Fallback>
+        <mc:Fallback xmlns="">
           <p:sp>
             <p:nvSpPr>
               <p:cNvPr id="121" name="ZoneTexte 120"/>
@@ -15737,8 +15769,8 @@
           </p:sp>
         </mc:Fallback>
       </mc:AlternateContent>
-      <mc:AlternateContent xmlns:mc="http://schemas.openxmlformats.org/markup-compatibility/2006">
-        <mc:Choice xmlns:a14="http://schemas.microsoft.com/office/drawing/2010/main" xmlns="" Requires="a14">
+      <mc:AlternateContent xmlns:mc="http://schemas.openxmlformats.org/markup-compatibility/2006" xmlns:a14="http://schemas.microsoft.com/office/drawing/2010/main">
+        <mc:Choice Requires="a14">
           <p:sp>
             <p:nvSpPr>
               <p:cNvPr id="122" name="ZoneTexte 121"/>
@@ -15794,7 +15826,7 @@
             </p:txBody>
           </p:sp>
         </mc:Choice>
-        <mc:Fallback>
+        <mc:Fallback xmlns="">
           <p:sp>
             <p:nvSpPr>
               <p:cNvPr id="122" name="ZoneTexte 121"/>
@@ -16238,8 +16270,8 @@
           </a:fontRef>
         </p:style>
       </p:cxnSp>
-      <mc:AlternateContent xmlns:mc="http://schemas.openxmlformats.org/markup-compatibility/2006">
-        <mc:Choice xmlns:a14="http://schemas.microsoft.com/office/drawing/2010/main" xmlns="" Requires="a14">
+      <mc:AlternateContent xmlns:mc="http://schemas.openxmlformats.org/markup-compatibility/2006" xmlns:a14="http://schemas.microsoft.com/office/drawing/2010/main">
+        <mc:Choice Requires="a14">
           <p:sp>
             <p:nvSpPr>
               <p:cNvPr id="98" name="ZoneTexte 97"/>
@@ -16283,7 +16315,7 @@
             </p:txBody>
           </p:sp>
         </mc:Choice>
-        <mc:Fallback>
+        <mc:Fallback xmlns="">
           <p:sp>
             <p:nvSpPr>
               <p:cNvPr id="98" name="ZoneTexte 97"/>
@@ -16322,8 +16354,8 @@
           </p:sp>
         </mc:Fallback>
       </mc:AlternateContent>
-      <mc:AlternateContent xmlns:mc="http://schemas.openxmlformats.org/markup-compatibility/2006">
-        <mc:Choice xmlns:a14="http://schemas.microsoft.com/office/drawing/2010/main" xmlns="" Requires="a14">
+      <mc:AlternateContent xmlns:mc="http://schemas.openxmlformats.org/markup-compatibility/2006" xmlns:a14="http://schemas.microsoft.com/office/drawing/2010/main">
+        <mc:Choice Requires="a14">
           <p:sp>
             <p:nvSpPr>
               <p:cNvPr id="99" name="ZoneTexte 98"/>
@@ -16367,7 +16399,7 @@
             </p:txBody>
           </p:sp>
         </mc:Choice>
-        <mc:Fallback>
+        <mc:Fallback xmlns="">
           <p:sp>
             <p:nvSpPr>
               <p:cNvPr id="99" name="ZoneTexte 98"/>
@@ -16406,8 +16438,8 @@
           </p:sp>
         </mc:Fallback>
       </mc:AlternateContent>
-      <mc:AlternateContent xmlns:mc="http://schemas.openxmlformats.org/markup-compatibility/2006">
-        <mc:Choice xmlns:a14="http://schemas.microsoft.com/office/drawing/2010/main" xmlns="" Requires="a14">
+      <mc:AlternateContent xmlns:mc="http://schemas.openxmlformats.org/markup-compatibility/2006" xmlns:a14="http://schemas.microsoft.com/office/drawing/2010/main">
+        <mc:Choice Requires="a14">
           <p:sp>
             <p:nvSpPr>
               <p:cNvPr id="100" name="ZoneTexte 99"/>
@@ -16451,7 +16483,7 @@
             </p:txBody>
           </p:sp>
         </mc:Choice>
-        <mc:Fallback>
+        <mc:Fallback xmlns="">
           <p:sp>
             <p:nvSpPr>
               <p:cNvPr id="100" name="ZoneTexte 99"/>
@@ -16490,8 +16522,8 @@
           </p:sp>
         </mc:Fallback>
       </mc:AlternateContent>
-      <mc:AlternateContent xmlns:mc="http://schemas.openxmlformats.org/markup-compatibility/2006">
-        <mc:Choice xmlns:a14="http://schemas.microsoft.com/office/drawing/2010/main" xmlns="" Requires="a14">
+      <mc:AlternateContent xmlns:mc="http://schemas.openxmlformats.org/markup-compatibility/2006" xmlns:a14="http://schemas.microsoft.com/office/drawing/2010/main">
+        <mc:Choice Requires="a14">
           <p:sp>
             <p:nvSpPr>
               <p:cNvPr id="101" name="ZoneTexte 100"/>
@@ -16535,7 +16567,7 @@
             </p:txBody>
           </p:sp>
         </mc:Choice>
-        <mc:Fallback>
+        <mc:Fallback xmlns="">
           <p:sp>
             <p:nvSpPr>
               <p:cNvPr id="101" name="ZoneTexte 100"/>
@@ -16574,8 +16606,8 @@
           </p:sp>
         </mc:Fallback>
       </mc:AlternateContent>
-      <mc:AlternateContent xmlns:mc="http://schemas.openxmlformats.org/markup-compatibility/2006">
-        <mc:Choice xmlns:a14="http://schemas.microsoft.com/office/drawing/2010/main" xmlns="" Requires="a14">
+      <mc:AlternateContent xmlns:mc="http://schemas.openxmlformats.org/markup-compatibility/2006" xmlns:a14="http://schemas.microsoft.com/office/drawing/2010/main">
+        <mc:Choice Requires="a14">
           <p:sp>
             <p:nvSpPr>
               <p:cNvPr id="102" name="ZoneTexte 101"/>
@@ -16619,7 +16651,7 @@
             </p:txBody>
           </p:sp>
         </mc:Choice>
-        <mc:Fallback>
+        <mc:Fallback xmlns="">
           <p:sp>
             <p:nvSpPr>
               <p:cNvPr id="102" name="ZoneTexte 101"/>
@@ -16729,7 +16761,7 @@
     </p:spTree>
     <p:extLst>
       <p:ext uri="{BB962C8B-B14F-4D97-AF65-F5344CB8AC3E}">
-        <p14:creationId xmlns:p14="http://schemas.microsoft.com/office/powerpoint/2010/main" xmlns="" val="673257440"/>
+        <p14:creationId xmlns:p14="http://schemas.microsoft.com/office/powerpoint/2010/main" val="673257440"/>
       </p:ext>
     </p:extLst>
   </p:cSld>
@@ -17093,8 +17125,8 @@
           </a:p>
         </p:txBody>
       </p:sp>
-      <mc:AlternateContent xmlns:mc="http://schemas.openxmlformats.org/markup-compatibility/2006">
-        <mc:Choice xmlns:a14="http://schemas.microsoft.com/office/drawing/2010/main" xmlns="" Requires="a14">
+      <mc:AlternateContent xmlns:mc="http://schemas.openxmlformats.org/markup-compatibility/2006" xmlns:a14="http://schemas.microsoft.com/office/drawing/2010/main">
+        <mc:Choice Requires="a14">
           <p:sp>
             <p:nvSpPr>
               <p:cNvPr id="103" name="ZoneTexte 102"/>
@@ -17138,7 +17170,7 @@
             </p:txBody>
           </p:sp>
         </mc:Choice>
-        <mc:Fallback>
+        <mc:Fallback xmlns="">
           <p:sp>
             <p:nvSpPr>
               <p:cNvPr id="103" name="ZoneTexte 102"/>
@@ -17177,8 +17209,8 @@
           </p:sp>
         </mc:Fallback>
       </mc:AlternateContent>
-      <mc:AlternateContent xmlns:mc="http://schemas.openxmlformats.org/markup-compatibility/2006">
-        <mc:Choice xmlns:a14="http://schemas.microsoft.com/office/drawing/2010/main" xmlns="" Requires="a14">
+      <mc:AlternateContent xmlns:mc="http://schemas.openxmlformats.org/markup-compatibility/2006" xmlns:a14="http://schemas.microsoft.com/office/drawing/2010/main">
+        <mc:Choice Requires="a14">
           <p:sp>
             <p:nvSpPr>
               <p:cNvPr id="104" name="ZoneTexte 103"/>
@@ -17222,7 +17254,7 @@
             </p:txBody>
           </p:sp>
         </mc:Choice>
-        <mc:Fallback>
+        <mc:Fallback xmlns="">
           <p:sp>
             <p:nvSpPr>
               <p:cNvPr id="104" name="ZoneTexte 103"/>
@@ -17261,8 +17293,8 @@
           </p:sp>
         </mc:Fallback>
       </mc:AlternateContent>
-      <mc:AlternateContent xmlns:mc="http://schemas.openxmlformats.org/markup-compatibility/2006">
-        <mc:Choice xmlns:a14="http://schemas.microsoft.com/office/drawing/2010/main" xmlns="" Requires="a14">
+      <mc:AlternateContent xmlns:mc="http://schemas.openxmlformats.org/markup-compatibility/2006" xmlns:a14="http://schemas.microsoft.com/office/drawing/2010/main">
+        <mc:Choice Requires="a14">
           <p:sp>
             <p:nvSpPr>
               <p:cNvPr id="105" name="ZoneTexte 104"/>
@@ -17306,7 +17338,7 @@
             </p:txBody>
           </p:sp>
         </mc:Choice>
-        <mc:Fallback>
+        <mc:Fallback xmlns="">
           <p:sp>
             <p:nvSpPr>
               <p:cNvPr id="105" name="ZoneTexte 104"/>
@@ -17345,8 +17377,8 @@
           </p:sp>
         </mc:Fallback>
       </mc:AlternateContent>
-      <mc:AlternateContent xmlns:mc="http://schemas.openxmlformats.org/markup-compatibility/2006">
-        <mc:Choice xmlns:a14="http://schemas.microsoft.com/office/drawing/2010/main" xmlns="" Requires="a14">
+      <mc:AlternateContent xmlns:mc="http://schemas.openxmlformats.org/markup-compatibility/2006" xmlns:a14="http://schemas.microsoft.com/office/drawing/2010/main">
+        <mc:Choice Requires="a14">
           <p:sp>
             <p:nvSpPr>
               <p:cNvPr id="106" name="ZoneTexte 105"/>
@@ -17390,7 +17422,7 @@
             </p:txBody>
           </p:sp>
         </mc:Choice>
-        <mc:Fallback>
+        <mc:Fallback xmlns="">
           <p:sp>
             <p:nvSpPr>
               <p:cNvPr id="106" name="ZoneTexte 105"/>
@@ -17429,8 +17461,8 @@
           </p:sp>
         </mc:Fallback>
       </mc:AlternateContent>
-      <mc:AlternateContent xmlns:mc="http://schemas.openxmlformats.org/markup-compatibility/2006">
-        <mc:Choice xmlns:a14="http://schemas.microsoft.com/office/drawing/2010/main" xmlns="" Requires="a14">
+      <mc:AlternateContent xmlns:mc="http://schemas.openxmlformats.org/markup-compatibility/2006" xmlns:a14="http://schemas.microsoft.com/office/drawing/2010/main">
+        <mc:Choice Requires="a14">
           <p:sp>
             <p:nvSpPr>
               <p:cNvPr id="107" name="ZoneTexte 106"/>
@@ -17474,7 +17506,7 @@
             </p:txBody>
           </p:sp>
         </mc:Choice>
-        <mc:Fallback>
+        <mc:Fallback xmlns="">
           <p:sp>
             <p:nvSpPr>
               <p:cNvPr id="107" name="ZoneTexte 106"/>
@@ -17579,8 +17611,8 @@
           </a:fontRef>
         </p:style>
       </p:cxnSp>
-      <mc:AlternateContent xmlns:mc="http://schemas.openxmlformats.org/markup-compatibility/2006">
-        <mc:Choice xmlns:a14="http://schemas.microsoft.com/office/drawing/2010/main" xmlns="" Requires="a14">
+      <mc:AlternateContent xmlns:mc="http://schemas.openxmlformats.org/markup-compatibility/2006" xmlns:a14="http://schemas.microsoft.com/office/drawing/2010/main">
+        <mc:Choice Requires="a14">
           <p:sp>
             <p:nvSpPr>
               <p:cNvPr id="121" name="ZoneTexte 120"/>
@@ -17636,7 +17668,7 @@
             </p:txBody>
           </p:sp>
         </mc:Choice>
-        <mc:Fallback>
+        <mc:Fallback xmlns="">
           <p:sp>
             <p:nvSpPr>
               <p:cNvPr id="121" name="ZoneTexte 120"/>
@@ -17675,8 +17707,8 @@
           </p:sp>
         </mc:Fallback>
       </mc:AlternateContent>
-      <mc:AlternateContent xmlns:mc="http://schemas.openxmlformats.org/markup-compatibility/2006">
-        <mc:Choice xmlns:a14="http://schemas.microsoft.com/office/drawing/2010/main" xmlns="" Requires="a14">
+      <mc:AlternateContent xmlns:mc="http://schemas.openxmlformats.org/markup-compatibility/2006" xmlns:a14="http://schemas.microsoft.com/office/drawing/2010/main">
+        <mc:Choice Requires="a14">
           <p:sp>
             <p:nvSpPr>
               <p:cNvPr id="122" name="ZoneTexte 121"/>
@@ -17732,7 +17764,7 @@
             </p:txBody>
           </p:sp>
         </mc:Choice>
-        <mc:Fallback>
+        <mc:Fallback xmlns="">
           <p:sp>
             <p:nvSpPr>
               <p:cNvPr id="122" name="ZoneTexte 121"/>
@@ -18400,8 +18432,8 @@
           </a:fontRef>
         </p:style>
       </p:cxnSp>
-      <mc:AlternateContent xmlns:mc="http://schemas.openxmlformats.org/markup-compatibility/2006">
-        <mc:Choice xmlns:a14="http://schemas.microsoft.com/office/drawing/2010/main" xmlns="" Requires="a14">
+      <mc:AlternateContent xmlns:mc="http://schemas.openxmlformats.org/markup-compatibility/2006" xmlns:a14="http://schemas.microsoft.com/office/drawing/2010/main">
+        <mc:Choice Requires="a14">
           <p:sp>
             <p:nvSpPr>
               <p:cNvPr id="98" name="ZoneTexte 97"/>
@@ -18445,7 +18477,7 @@
             </p:txBody>
           </p:sp>
         </mc:Choice>
-        <mc:Fallback>
+        <mc:Fallback xmlns="">
           <p:sp>
             <p:nvSpPr>
               <p:cNvPr id="98" name="ZoneTexte 97"/>
@@ -18484,8 +18516,8 @@
           </p:sp>
         </mc:Fallback>
       </mc:AlternateContent>
-      <mc:AlternateContent xmlns:mc="http://schemas.openxmlformats.org/markup-compatibility/2006">
-        <mc:Choice xmlns:a14="http://schemas.microsoft.com/office/drawing/2010/main" xmlns="" Requires="a14">
+      <mc:AlternateContent xmlns:mc="http://schemas.openxmlformats.org/markup-compatibility/2006" xmlns:a14="http://schemas.microsoft.com/office/drawing/2010/main">
+        <mc:Choice Requires="a14">
           <p:sp>
             <p:nvSpPr>
               <p:cNvPr id="99" name="ZoneTexte 98"/>
@@ -18529,7 +18561,7 @@
             </p:txBody>
           </p:sp>
         </mc:Choice>
-        <mc:Fallback>
+        <mc:Fallback xmlns="">
           <p:sp>
             <p:nvSpPr>
               <p:cNvPr id="99" name="ZoneTexte 98"/>
@@ -18568,8 +18600,8 @@
           </p:sp>
         </mc:Fallback>
       </mc:AlternateContent>
-      <mc:AlternateContent xmlns:mc="http://schemas.openxmlformats.org/markup-compatibility/2006">
-        <mc:Choice xmlns:a14="http://schemas.microsoft.com/office/drawing/2010/main" xmlns="" Requires="a14">
+      <mc:AlternateContent xmlns:mc="http://schemas.openxmlformats.org/markup-compatibility/2006" xmlns:a14="http://schemas.microsoft.com/office/drawing/2010/main">
+        <mc:Choice Requires="a14">
           <p:sp>
             <p:nvSpPr>
               <p:cNvPr id="100" name="ZoneTexte 99"/>
@@ -18613,7 +18645,7 @@
             </p:txBody>
           </p:sp>
         </mc:Choice>
-        <mc:Fallback>
+        <mc:Fallback xmlns="">
           <p:sp>
             <p:nvSpPr>
               <p:cNvPr id="100" name="ZoneTexte 99"/>
@@ -18652,8 +18684,8 @@
           </p:sp>
         </mc:Fallback>
       </mc:AlternateContent>
-      <mc:AlternateContent xmlns:mc="http://schemas.openxmlformats.org/markup-compatibility/2006">
-        <mc:Choice xmlns:a14="http://schemas.microsoft.com/office/drawing/2010/main" xmlns="" Requires="a14">
+      <mc:AlternateContent xmlns:mc="http://schemas.openxmlformats.org/markup-compatibility/2006" xmlns:a14="http://schemas.microsoft.com/office/drawing/2010/main">
+        <mc:Choice Requires="a14">
           <p:sp>
             <p:nvSpPr>
               <p:cNvPr id="101" name="ZoneTexte 100"/>
@@ -18697,7 +18729,7 @@
             </p:txBody>
           </p:sp>
         </mc:Choice>
-        <mc:Fallback>
+        <mc:Fallback xmlns="">
           <p:sp>
             <p:nvSpPr>
               <p:cNvPr id="101" name="ZoneTexte 100"/>
@@ -18736,8 +18768,8 @@
           </p:sp>
         </mc:Fallback>
       </mc:AlternateContent>
-      <mc:AlternateContent xmlns:mc="http://schemas.openxmlformats.org/markup-compatibility/2006">
-        <mc:Choice xmlns:a14="http://schemas.microsoft.com/office/drawing/2010/main" xmlns="" Requires="a14">
+      <mc:AlternateContent xmlns:mc="http://schemas.openxmlformats.org/markup-compatibility/2006" xmlns:a14="http://schemas.microsoft.com/office/drawing/2010/main">
+        <mc:Choice Requires="a14">
           <p:sp>
             <p:nvSpPr>
               <p:cNvPr id="102" name="ZoneTexte 101"/>
@@ -18781,7 +18813,7 @@
             </p:txBody>
           </p:sp>
         </mc:Choice>
-        <mc:Fallback>
+        <mc:Fallback xmlns="">
           <p:sp>
             <p:nvSpPr>
               <p:cNvPr id="102" name="ZoneTexte 101"/>
@@ -18891,7 +18923,7 @@
     </p:spTree>
     <p:extLst>
       <p:ext uri="{BB962C8B-B14F-4D97-AF65-F5344CB8AC3E}">
-        <p14:creationId xmlns:p14="http://schemas.microsoft.com/office/powerpoint/2010/main" xmlns="" val="673257440"/>
+        <p14:creationId xmlns:p14="http://schemas.microsoft.com/office/powerpoint/2010/main" val="673257440"/>
       </p:ext>
     </p:extLst>
   </p:cSld>
@@ -19255,8 +19287,8 @@
           </a:p>
         </p:txBody>
       </p:sp>
-      <mc:AlternateContent xmlns:mc="http://schemas.openxmlformats.org/markup-compatibility/2006">
-        <mc:Choice xmlns:a14="http://schemas.microsoft.com/office/drawing/2010/main" xmlns="" Requires="a14">
+      <mc:AlternateContent xmlns:mc="http://schemas.openxmlformats.org/markup-compatibility/2006" xmlns:a14="http://schemas.microsoft.com/office/drawing/2010/main">
+        <mc:Choice Requires="a14">
           <p:sp>
             <p:nvSpPr>
               <p:cNvPr id="103" name="ZoneTexte 102"/>
@@ -19300,7 +19332,7 @@
             </p:txBody>
           </p:sp>
         </mc:Choice>
-        <mc:Fallback>
+        <mc:Fallback xmlns="">
           <p:sp>
             <p:nvSpPr>
               <p:cNvPr id="103" name="ZoneTexte 102"/>
@@ -19339,8 +19371,8 @@
           </p:sp>
         </mc:Fallback>
       </mc:AlternateContent>
-      <mc:AlternateContent xmlns:mc="http://schemas.openxmlformats.org/markup-compatibility/2006">
-        <mc:Choice xmlns:a14="http://schemas.microsoft.com/office/drawing/2010/main" xmlns="" Requires="a14">
+      <mc:AlternateContent xmlns:mc="http://schemas.openxmlformats.org/markup-compatibility/2006" xmlns:a14="http://schemas.microsoft.com/office/drawing/2010/main">
+        <mc:Choice Requires="a14">
           <p:sp>
             <p:nvSpPr>
               <p:cNvPr id="104" name="ZoneTexte 103"/>
@@ -19384,7 +19416,7 @@
             </p:txBody>
           </p:sp>
         </mc:Choice>
-        <mc:Fallback>
+        <mc:Fallback xmlns="">
           <p:sp>
             <p:nvSpPr>
               <p:cNvPr id="104" name="ZoneTexte 103"/>
@@ -19423,8 +19455,8 @@
           </p:sp>
         </mc:Fallback>
       </mc:AlternateContent>
-      <mc:AlternateContent xmlns:mc="http://schemas.openxmlformats.org/markup-compatibility/2006">
-        <mc:Choice xmlns:a14="http://schemas.microsoft.com/office/drawing/2010/main" xmlns="" Requires="a14">
+      <mc:AlternateContent xmlns:mc="http://schemas.openxmlformats.org/markup-compatibility/2006" xmlns:a14="http://schemas.microsoft.com/office/drawing/2010/main">
+        <mc:Choice Requires="a14">
           <p:sp>
             <p:nvSpPr>
               <p:cNvPr id="105" name="ZoneTexte 104"/>
@@ -19468,7 +19500,7 @@
             </p:txBody>
           </p:sp>
         </mc:Choice>
-        <mc:Fallback>
+        <mc:Fallback xmlns="">
           <p:sp>
             <p:nvSpPr>
               <p:cNvPr id="105" name="ZoneTexte 104"/>
@@ -19507,8 +19539,8 @@
           </p:sp>
         </mc:Fallback>
       </mc:AlternateContent>
-      <mc:AlternateContent xmlns:mc="http://schemas.openxmlformats.org/markup-compatibility/2006">
-        <mc:Choice xmlns:a14="http://schemas.microsoft.com/office/drawing/2010/main" xmlns="" Requires="a14">
+      <mc:AlternateContent xmlns:mc="http://schemas.openxmlformats.org/markup-compatibility/2006" xmlns:a14="http://schemas.microsoft.com/office/drawing/2010/main">
+        <mc:Choice Requires="a14">
           <p:sp>
             <p:nvSpPr>
               <p:cNvPr id="106" name="ZoneTexte 105"/>
@@ -19552,7 +19584,7 @@
             </p:txBody>
           </p:sp>
         </mc:Choice>
-        <mc:Fallback>
+        <mc:Fallback xmlns="">
           <p:sp>
             <p:nvSpPr>
               <p:cNvPr id="106" name="ZoneTexte 105"/>
@@ -19591,8 +19623,8 @@
           </p:sp>
         </mc:Fallback>
       </mc:AlternateContent>
-      <mc:AlternateContent xmlns:mc="http://schemas.openxmlformats.org/markup-compatibility/2006">
-        <mc:Choice xmlns:a14="http://schemas.microsoft.com/office/drawing/2010/main" xmlns="" Requires="a14">
+      <mc:AlternateContent xmlns:mc="http://schemas.openxmlformats.org/markup-compatibility/2006" xmlns:a14="http://schemas.microsoft.com/office/drawing/2010/main">
+        <mc:Choice Requires="a14">
           <p:sp>
             <p:nvSpPr>
               <p:cNvPr id="107" name="ZoneTexte 106"/>
@@ -19636,7 +19668,7 @@
             </p:txBody>
           </p:sp>
         </mc:Choice>
-        <mc:Fallback>
+        <mc:Fallback xmlns="">
           <p:sp>
             <p:nvSpPr>
               <p:cNvPr id="107" name="ZoneTexte 106"/>
@@ -19741,8 +19773,8 @@
           </a:fontRef>
         </p:style>
       </p:cxnSp>
-      <mc:AlternateContent xmlns:mc="http://schemas.openxmlformats.org/markup-compatibility/2006">
-        <mc:Choice xmlns:a14="http://schemas.microsoft.com/office/drawing/2010/main" xmlns="" Requires="a14">
+      <mc:AlternateContent xmlns:mc="http://schemas.openxmlformats.org/markup-compatibility/2006" xmlns:a14="http://schemas.microsoft.com/office/drawing/2010/main">
+        <mc:Choice Requires="a14">
           <p:sp>
             <p:nvSpPr>
               <p:cNvPr id="121" name="ZoneTexte 120"/>
@@ -19798,7 +19830,7 @@
             </p:txBody>
           </p:sp>
         </mc:Choice>
-        <mc:Fallback>
+        <mc:Fallback xmlns="">
           <p:sp>
             <p:nvSpPr>
               <p:cNvPr id="121" name="ZoneTexte 120"/>
@@ -19837,8 +19869,8 @@
           </p:sp>
         </mc:Fallback>
       </mc:AlternateContent>
-      <mc:AlternateContent xmlns:mc="http://schemas.openxmlformats.org/markup-compatibility/2006">
-        <mc:Choice xmlns:a14="http://schemas.microsoft.com/office/drawing/2010/main" xmlns="" Requires="a14">
+      <mc:AlternateContent xmlns:mc="http://schemas.openxmlformats.org/markup-compatibility/2006" xmlns:a14="http://schemas.microsoft.com/office/drawing/2010/main">
+        <mc:Choice Requires="a14">
           <p:sp>
             <p:nvSpPr>
               <p:cNvPr id="122" name="ZoneTexte 121"/>
@@ -19894,7 +19926,7 @@
             </p:txBody>
           </p:sp>
         </mc:Choice>
-        <mc:Fallback>
+        <mc:Fallback xmlns="">
           <p:sp>
             <p:nvSpPr>
               <p:cNvPr id="122" name="ZoneTexte 121"/>
@@ -20643,8 +20675,8 @@
           </a:fontRef>
         </p:style>
       </p:cxnSp>
-      <mc:AlternateContent xmlns:mc="http://schemas.openxmlformats.org/markup-compatibility/2006">
-        <mc:Choice xmlns:a14="http://schemas.microsoft.com/office/drawing/2010/main" xmlns="" Requires="a14">
+      <mc:AlternateContent xmlns:mc="http://schemas.openxmlformats.org/markup-compatibility/2006" xmlns:a14="http://schemas.microsoft.com/office/drawing/2010/main">
+        <mc:Choice Requires="a14">
           <p:sp>
             <p:nvSpPr>
               <p:cNvPr id="98" name="ZoneTexte 97"/>
@@ -20688,7 +20720,7 @@
             </p:txBody>
           </p:sp>
         </mc:Choice>
-        <mc:Fallback>
+        <mc:Fallback xmlns="">
           <p:sp>
             <p:nvSpPr>
               <p:cNvPr id="98" name="ZoneTexte 97"/>
@@ -20727,8 +20759,8 @@
           </p:sp>
         </mc:Fallback>
       </mc:AlternateContent>
-      <mc:AlternateContent xmlns:mc="http://schemas.openxmlformats.org/markup-compatibility/2006">
-        <mc:Choice xmlns:a14="http://schemas.microsoft.com/office/drawing/2010/main" xmlns="" Requires="a14">
+      <mc:AlternateContent xmlns:mc="http://schemas.openxmlformats.org/markup-compatibility/2006" xmlns:a14="http://schemas.microsoft.com/office/drawing/2010/main">
+        <mc:Choice Requires="a14">
           <p:sp>
             <p:nvSpPr>
               <p:cNvPr id="99" name="ZoneTexte 98"/>
@@ -20772,7 +20804,7 @@
             </p:txBody>
           </p:sp>
         </mc:Choice>
-        <mc:Fallback>
+        <mc:Fallback xmlns="">
           <p:sp>
             <p:nvSpPr>
               <p:cNvPr id="99" name="ZoneTexte 98"/>
@@ -20811,8 +20843,8 @@
           </p:sp>
         </mc:Fallback>
       </mc:AlternateContent>
-      <mc:AlternateContent xmlns:mc="http://schemas.openxmlformats.org/markup-compatibility/2006">
-        <mc:Choice xmlns:a14="http://schemas.microsoft.com/office/drawing/2010/main" xmlns="" Requires="a14">
+      <mc:AlternateContent xmlns:mc="http://schemas.openxmlformats.org/markup-compatibility/2006" xmlns:a14="http://schemas.microsoft.com/office/drawing/2010/main">
+        <mc:Choice Requires="a14">
           <p:sp>
             <p:nvSpPr>
               <p:cNvPr id="100" name="ZoneTexte 99"/>
@@ -20856,7 +20888,7 @@
             </p:txBody>
           </p:sp>
         </mc:Choice>
-        <mc:Fallback>
+        <mc:Fallback xmlns="">
           <p:sp>
             <p:nvSpPr>
               <p:cNvPr id="100" name="ZoneTexte 99"/>
@@ -20895,8 +20927,8 @@
           </p:sp>
         </mc:Fallback>
       </mc:AlternateContent>
-      <mc:AlternateContent xmlns:mc="http://schemas.openxmlformats.org/markup-compatibility/2006">
-        <mc:Choice xmlns:a14="http://schemas.microsoft.com/office/drawing/2010/main" xmlns="" Requires="a14">
+      <mc:AlternateContent xmlns:mc="http://schemas.openxmlformats.org/markup-compatibility/2006" xmlns:a14="http://schemas.microsoft.com/office/drawing/2010/main">
+        <mc:Choice Requires="a14">
           <p:sp>
             <p:nvSpPr>
               <p:cNvPr id="101" name="ZoneTexte 100"/>
@@ -20940,7 +20972,7 @@
             </p:txBody>
           </p:sp>
         </mc:Choice>
-        <mc:Fallback>
+        <mc:Fallback xmlns="">
           <p:sp>
             <p:nvSpPr>
               <p:cNvPr id="101" name="ZoneTexte 100"/>
@@ -20979,8 +21011,8 @@
           </p:sp>
         </mc:Fallback>
       </mc:AlternateContent>
-      <mc:AlternateContent xmlns:mc="http://schemas.openxmlformats.org/markup-compatibility/2006">
-        <mc:Choice xmlns:a14="http://schemas.microsoft.com/office/drawing/2010/main" xmlns="" Requires="a14">
+      <mc:AlternateContent xmlns:mc="http://schemas.openxmlformats.org/markup-compatibility/2006" xmlns:a14="http://schemas.microsoft.com/office/drawing/2010/main">
+        <mc:Choice Requires="a14">
           <p:sp>
             <p:nvSpPr>
               <p:cNvPr id="102" name="ZoneTexte 101"/>
@@ -21024,7 +21056,7 @@
             </p:txBody>
           </p:sp>
         </mc:Choice>
-        <mc:Fallback>
+        <mc:Fallback xmlns="">
           <p:sp>
             <p:nvSpPr>
               <p:cNvPr id="102" name="ZoneTexte 101"/>
@@ -21169,7 +21201,7 @@
     </p:spTree>
     <p:extLst>
       <p:ext uri="{BB962C8B-B14F-4D97-AF65-F5344CB8AC3E}">
-        <p14:creationId xmlns:p14="http://schemas.microsoft.com/office/powerpoint/2010/main" xmlns="" val="673257440"/>
+        <p14:creationId xmlns:p14="http://schemas.microsoft.com/office/powerpoint/2010/main" val="673257440"/>
       </p:ext>
     </p:extLst>
   </p:cSld>
@@ -21533,8 +21565,8 @@
           </a:p>
         </p:txBody>
       </p:sp>
-      <mc:AlternateContent xmlns:mc="http://schemas.openxmlformats.org/markup-compatibility/2006">
-        <mc:Choice xmlns:a14="http://schemas.microsoft.com/office/drawing/2010/main" xmlns="" Requires="a14">
+      <mc:AlternateContent xmlns:mc="http://schemas.openxmlformats.org/markup-compatibility/2006" xmlns:a14="http://schemas.microsoft.com/office/drawing/2010/main">
+        <mc:Choice Requires="a14">
           <p:sp>
             <p:nvSpPr>
               <p:cNvPr id="103" name="ZoneTexte 102"/>
@@ -21578,7 +21610,7 @@
             </p:txBody>
           </p:sp>
         </mc:Choice>
-        <mc:Fallback>
+        <mc:Fallback xmlns="">
           <p:sp>
             <p:nvSpPr>
               <p:cNvPr id="103" name="ZoneTexte 102"/>
@@ -21617,8 +21649,8 @@
           </p:sp>
         </mc:Fallback>
       </mc:AlternateContent>
-      <mc:AlternateContent xmlns:mc="http://schemas.openxmlformats.org/markup-compatibility/2006">
-        <mc:Choice xmlns:a14="http://schemas.microsoft.com/office/drawing/2010/main" xmlns="" Requires="a14">
+      <mc:AlternateContent xmlns:mc="http://schemas.openxmlformats.org/markup-compatibility/2006" xmlns:a14="http://schemas.microsoft.com/office/drawing/2010/main">
+        <mc:Choice Requires="a14">
           <p:sp>
             <p:nvSpPr>
               <p:cNvPr id="104" name="ZoneTexte 103"/>
@@ -21662,7 +21694,7 @@
             </p:txBody>
           </p:sp>
         </mc:Choice>
-        <mc:Fallback>
+        <mc:Fallback xmlns="">
           <p:sp>
             <p:nvSpPr>
               <p:cNvPr id="104" name="ZoneTexte 103"/>
@@ -21701,8 +21733,8 @@
           </p:sp>
         </mc:Fallback>
       </mc:AlternateContent>
-      <mc:AlternateContent xmlns:mc="http://schemas.openxmlformats.org/markup-compatibility/2006">
-        <mc:Choice xmlns:a14="http://schemas.microsoft.com/office/drawing/2010/main" xmlns="" Requires="a14">
+      <mc:AlternateContent xmlns:mc="http://schemas.openxmlformats.org/markup-compatibility/2006" xmlns:a14="http://schemas.microsoft.com/office/drawing/2010/main">
+        <mc:Choice Requires="a14">
           <p:sp>
             <p:nvSpPr>
               <p:cNvPr id="105" name="ZoneTexte 104"/>
@@ -21746,7 +21778,7 @@
             </p:txBody>
           </p:sp>
         </mc:Choice>
-        <mc:Fallback>
+        <mc:Fallback xmlns="">
           <p:sp>
             <p:nvSpPr>
               <p:cNvPr id="105" name="ZoneTexte 104"/>
@@ -21785,8 +21817,8 @@
           </p:sp>
         </mc:Fallback>
       </mc:AlternateContent>
-      <mc:AlternateContent xmlns:mc="http://schemas.openxmlformats.org/markup-compatibility/2006">
-        <mc:Choice xmlns:a14="http://schemas.microsoft.com/office/drawing/2010/main" xmlns="" Requires="a14">
+      <mc:AlternateContent xmlns:mc="http://schemas.openxmlformats.org/markup-compatibility/2006" xmlns:a14="http://schemas.microsoft.com/office/drawing/2010/main">
+        <mc:Choice Requires="a14">
           <p:sp>
             <p:nvSpPr>
               <p:cNvPr id="106" name="ZoneTexte 105"/>
@@ -21830,7 +21862,7 @@
             </p:txBody>
           </p:sp>
         </mc:Choice>
-        <mc:Fallback>
+        <mc:Fallback xmlns="">
           <p:sp>
             <p:nvSpPr>
               <p:cNvPr id="106" name="ZoneTexte 105"/>
@@ -21869,8 +21901,8 @@
           </p:sp>
         </mc:Fallback>
       </mc:AlternateContent>
-      <mc:AlternateContent xmlns:mc="http://schemas.openxmlformats.org/markup-compatibility/2006">
-        <mc:Choice xmlns:a14="http://schemas.microsoft.com/office/drawing/2010/main" xmlns="" Requires="a14">
+      <mc:AlternateContent xmlns:mc="http://schemas.openxmlformats.org/markup-compatibility/2006" xmlns:a14="http://schemas.microsoft.com/office/drawing/2010/main">
+        <mc:Choice Requires="a14">
           <p:sp>
             <p:nvSpPr>
               <p:cNvPr id="107" name="ZoneTexte 106"/>
@@ -21914,7 +21946,7 @@
             </p:txBody>
           </p:sp>
         </mc:Choice>
-        <mc:Fallback>
+        <mc:Fallback xmlns="">
           <p:sp>
             <p:nvSpPr>
               <p:cNvPr id="107" name="ZoneTexte 106"/>
@@ -22019,8 +22051,8 @@
           </a:fontRef>
         </p:style>
       </p:cxnSp>
-      <mc:AlternateContent xmlns:mc="http://schemas.openxmlformats.org/markup-compatibility/2006">
-        <mc:Choice xmlns:a14="http://schemas.microsoft.com/office/drawing/2010/main" xmlns="" Requires="a14">
+      <mc:AlternateContent xmlns:mc="http://schemas.openxmlformats.org/markup-compatibility/2006" xmlns:a14="http://schemas.microsoft.com/office/drawing/2010/main">
+        <mc:Choice Requires="a14">
           <p:sp>
             <p:nvSpPr>
               <p:cNvPr id="121" name="ZoneTexte 120"/>
@@ -22076,7 +22108,7 @@
             </p:txBody>
           </p:sp>
         </mc:Choice>
-        <mc:Fallback>
+        <mc:Fallback xmlns="">
           <p:sp>
             <p:nvSpPr>
               <p:cNvPr id="121" name="ZoneTexte 120"/>
@@ -22115,8 +22147,8 @@
           </p:sp>
         </mc:Fallback>
       </mc:AlternateContent>
-      <mc:AlternateContent xmlns:mc="http://schemas.openxmlformats.org/markup-compatibility/2006">
-        <mc:Choice xmlns:a14="http://schemas.microsoft.com/office/drawing/2010/main" xmlns="" Requires="a14">
+      <mc:AlternateContent xmlns:mc="http://schemas.openxmlformats.org/markup-compatibility/2006" xmlns:a14="http://schemas.microsoft.com/office/drawing/2010/main">
+        <mc:Choice Requires="a14">
           <p:sp>
             <p:nvSpPr>
               <p:cNvPr id="122" name="ZoneTexte 121"/>
@@ -22172,7 +22204,7 @@
             </p:txBody>
           </p:sp>
         </mc:Choice>
-        <mc:Fallback>
+        <mc:Fallback xmlns="">
           <p:sp>
             <p:nvSpPr>
               <p:cNvPr id="122" name="ZoneTexte 121"/>
@@ -23006,8 +23038,8 @@
           </a:fontRef>
         </p:style>
       </p:cxnSp>
-      <mc:AlternateContent xmlns:mc="http://schemas.openxmlformats.org/markup-compatibility/2006">
-        <mc:Choice xmlns:a14="http://schemas.microsoft.com/office/drawing/2010/main" xmlns="" Requires="a14">
+      <mc:AlternateContent xmlns:mc="http://schemas.openxmlformats.org/markup-compatibility/2006" xmlns:a14="http://schemas.microsoft.com/office/drawing/2010/main">
+        <mc:Choice Requires="a14">
           <p:sp>
             <p:nvSpPr>
               <p:cNvPr id="98" name="ZoneTexte 97"/>
@@ -23051,7 +23083,7 @@
             </p:txBody>
           </p:sp>
         </mc:Choice>
-        <mc:Fallback>
+        <mc:Fallback xmlns="">
           <p:sp>
             <p:nvSpPr>
               <p:cNvPr id="98" name="ZoneTexte 97"/>
@@ -23090,8 +23122,8 @@
           </p:sp>
         </mc:Fallback>
       </mc:AlternateContent>
-      <mc:AlternateContent xmlns:mc="http://schemas.openxmlformats.org/markup-compatibility/2006">
-        <mc:Choice xmlns:a14="http://schemas.microsoft.com/office/drawing/2010/main" xmlns="" Requires="a14">
+      <mc:AlternateContent xmlns:mc="http://schemas.openxmlformats.org/markup-compatibility/2006" xmlns:a14="http://schemas.microsoft.com/office/drawing/2010/main">
+        <mc:Choice Requires="a14">
           <p:sp>
             <p:nvSpPr>
               <p:cNvPr id="99" name="ZoneTexte 98"/>
@@ -23135,7 +23167,7 @@
             </p:txBody>
           </p:sp>
         </mc:Choice>
-        <mc:Fallback>
+        <mc:Fallback xmlns="">
           <p:sp>
             <p:nvSpPr>
               <p:cNvPr id="99" name="ZoneTexte 98"/>
@@ -23174,8 +23206,8 @@
           </p:sp>
         </mc:Fallback>
       </mc:AlternateContent>
-      <mc:AlternateContent xmlns:mc="http://schemas.openxmlformats.org/markup-compatibility/2006">
-        <mc:Choice xmlns:a14="http://schemas.microsoft.com/office/drawing/2010/main" xmlns="" Requires="a14">
+      <mc:AlternateContent xmlns:mc="http://schemas.openxmlformats.org/markup-compatibility/2006" xmlns:a14="http://schemas.microsoft.com/office/drawing/2010/main">
+        <mc:Choice Requires="a14">
           <p:sp>
             <p:nvSpPr>
               <p:cNvPr id="100" name="ZoneTexte 99"/>
@@ -23219,7 +23251,7 @@
             </p:txBody>
           </p:sp>
         </mc:Choice>
-        <mc:Fallback>
+        <mc:Fallback xmlns="">
           <p:sp>
             <p:nvSpPr>
               <p:cNvPr id="100" name="ZoneTexte 99"/>
@@ -23258,8 +23290,8 @@
           </p:sp>
         </mc:Fallback>
       </mc:AlternateContent>
-      <mc:AlternateContent xmlns:mc="http://schemas.openxmlformats.org/markup-compatibility/2006">
-        <mc:Choice xmlns:a14="http://schemas.microsoft.com/office/drawing/2010/main" xmlns="" Requires="a14">
+      <mc:AlternateContent xmlns:mc="http://schemas.openxmlformats.org/markup-compatibility/2006" xmlns:a14="http://schemas.microsoft.com/office/drawing/2010/main">
+        <mc:Choice Requires="a14">
           <p:sp>
             <p:nvSpPr>
               <p:cNvPr id="101" name="ZoneTexte 100"/>
@@ -23303,7 +23335,7 @@
             </p:txBody>
           </p:sp>
         </mc:Choice>
-        <mc:Fallback>
+        <mc:Fallback xmlns="">
           <p:sp>
             <p:nvSpPr>
               <p:cNvPr id="101" name="ZoneTexte 100"/>
@@ -23342,8 +23374,8 @@
           </p:sp>
         </mc:Fallback>
       </mc:AlternateContent>
-      <mc:AlternateContent xmlns:mc="http://schemas.openxmlformats.org/markup-compatibility/2006">
-        <mc:Choice xmlns:a14="http://schemas.microsoft.com/office/drawing/2010/main" xmlns="" Requires="a14">
+      <mc:AlternateContent xmlns:mc="http://schemas.openxmlformats.org/markup-compatibility/2006" xmlns:a14="http://schemas.microsoft.com/office/drawing/2010/main">
+        <mc:Choice Requires="a14">
           <p:sp>
             <p:nvSpPr>
               <p:cNvPr id="102" name="ZoneTexte 101"/>
@@ -23387,7 +23419,7 @@
             </p:txBody>
           </p:sp>
         </mc:Choice>
-        <mc:Fallback>
+        <mc:Fallback xmlns="">
           <p:sp>
             <p:nvSpPr>
               <p:cNvPr id="102" name="ZoneTexte 101"/>
@@ -23567,7 +23599,7 @@
     </p:spTree>
     <p:extLst>
       <p:ext uri="{BB962C8B-B14F-4D97-AF65-F5344CB8AC3E}">
-        <p14:creationId xmlns:p14="http://schemas.microsoft.com/office/powerpoint/2010/main" xmlns="" val="673257440"/>
+        <p14:creationId xmlns:p14="http://schemas.microsoft.com/office/powerpoint/2010/main" val="673257440"/>
       </p:ext>
     </p:extLst>
   </p:cSld>
@@ -24455,8 +24487,8 @@
           </a:fontRef>
         </p:style>
       </p:cxnSp>
-      <mc:AlternateContent xmlns:mc="http://schemas.openxmlformats.org/markup-compatibility/2006">
-        <mc:Choice xmlns:a14="http://schemas.microsoft.com/office/drawing/2010/main" xmlns="" Requires="a14">
+      <mc:AlternateContent xmlns:mc="http://schemas.openxmlformats.org/markup-compatibility/2006" xmlns:a14="http://schemas.microsoft.com/office/drawing/2010/main">
+        <mc:Choice Requires="a14">
           <p:sp>
             <p:nvSpPr>
               <p:cNvPr id="103" name="ZoneTexte 102"/>
@@ -24500,7 +24532,7 @@
             </p:txBody>
           </p:sp>
         </mc:Choice>
-        <mc:Fallback>
+        <mc:Fallback xmlns="">
           <p:sp>
             <p:nvSpPr>
               <p:cNvPr id="103" name="ZoneTexte 102"/>
@@ -24539,8 +24571,8 @@
           </p:sp>
         </mc:Fallback>
       </mc:AlternateContent>
-      <mc:AlternateContent xmlns:mc="http://schemas.openxmlformats.org/markup-compatibility/2006">
-        <mc:Choice xmlns:a14="http://schemas.microsoft.com/office/drawing/2010/main" xmlns="" Requires="a14">
+      <mc:AlternateContent xmlns:mc="http://schemas.openxmlformats.org/markup-compatibility/2006" xmlns:a14="http://schemas.microsoft.com/office/drawing/2010/main">
+        <mc:Choice Requires="a14">
           <p:sp>
             <p:nvSpPr>
               <p:cNvPr id="104" name="ZoneTexte 103"/>
@@ -24584,7 +24616,7 @@
             </p:txBody>
           </p:sp>
         </mc:Choice>
-        <mc:Fallback>
+        <mc:Fallback xmlns="">
           <p:sp>
             <p:nvSpPr>
               <p:cNvPr id="104" name="ZoneTexte 103"/>
@@ -24623,8 +24655,8 @@
           </p:sp>
         </mc:Fallback>
       </mc:AlternateContent>
-      <mc:AlternateContent xmlns:mc="http://schemas.openxmlformats.org/markup-compatibility/2006">
-        <mc:Choice xmlns:a14="http://schemas.microsoft.com/office/drawing/2010/main" xmlns="" Requires="a14">
+      <mc:AlternateContent xmlns:mc="http://schemas.openxmlformats.org/markup-compatibility/2006" xmlns:a14="http://schemas.microsoft.com/office/drawing/2010/main">
+        <mc:Choice Requires="a14">
           <p:sp>
             <p:nvSpPr>
               <p:cNvPr id="105" name="ZoneTexte 104"/>
@@ -24668,7 +24700,7 @@
             </p:txBody>
           </p:sp>
         </mc:Choice>
-        <mc:Fallback>
+        <mc:Fallback xmlns="">
           <p:sp>
             <p:nvSpPr>
               <p:cNvPr id="105" name="ZoneTexte 104"/>
@@ -24707,8 +24739,8 @@
           </p:sp>
         </mc:Fallback>
       </mc:AlternateContent>
-      <mc:AlternateContent xmlns:mc="http://schemas.openxmlformats.org/markup-compatibility/2006">
-        <mc:Choice xmlns:a14="http://schemas.microsoft.com/office/drawing/2010/main" xmlns="" Requires="a14">
+      <mc:AlternateContent xmlns:mc="http://schemas.openxmlformats.org/markup-compatibility/2006" xmlns:a14="http://schemas.microsoft.com/office/drawing/2010/main">
+        <mc:Choice Requires="a14">
           <p:sp>
             <p:nvSpPr>
               <p:cNvPr id="106" name="ZoneTexte 105"/>
@@ -24752,7 +24784,7 @@
             </p:txBody>
           </p:sp>
         </mc:Choice>
-        <mc:Fallback>
+        <mc:Fallback xmlns="">
           <p:sp>
             <p:nvSpPr>
               <p:cNvPr id="106" name="ZoneTexte 105"/>
@@ -24791,8 +24823,8 @@
           </p:sp>
         </mc:Fallback>
       </mc:AlternateContent>
-      <mc:AlternateContent xmlns:mc="http://schemas.openxmlformats.org/markup-compatibility/2006">
-        <mc:Choice xmlns:a14="http://schemas.microsoft.com/office/drawing/2010/main" xmlns="" Requires="a14">
+      <mc:AlternateContent xmlns:mc="http://schemas.openxmlformats.org/markup-compatibility/2006" xmlns:a14="http://schemas.microsoft.com/office/drawing/2010/main">
+        <mc:Choice Requires="a14">
           <p:sp>
             <p:nvSpPr>
               <p:cNvPr id="107" name="ZoneTexte 106"/>
@@ -24836,7 +24868,7 @@
             </p:txBody>
           </p:sp>
         </mc:Choice>
-        <mc:Fallback>
+        <mc:Fallback xmlns="">
           <p:sp>
             <p:nvSpPr>
               <p:cNvPr id="107" name="ZoneTexte 106"/>
@@ -25046,8 +25078,8 @@
           </a:fontRef>
         </p:style>
       </p:cxnSp>
-      <mc:AlternateContent xmlns:mc="http://schemas.openxmlformats.org/markup-compatibility/2006">
-        <mc:Choice xmlns:a14="http://schemas.microsoft.com/office/drawing/2010/main" xmlns="" Requires="a14">
+      <mc:AlternateContent xmlns:mc="http://schemas.openxmlformats.org/markup-compatibility/2006" xmlns:a14="http://schemas.microsoft.com/office/drawing/2010/main">
+        <mc:Choice Requires="a14">
           <p:sp>
             <p:nvSpPr>
               <p:cNvPr id="121" name="ZoneTexte 120"/>
@@ -25103,7 +25135,7 @@
             </p:txBody>
           </p:sp>
         </mc:Choice>
-        <mc:Fallback>
+        <mc:Fallback xmlns="">
           <p:sp>
             <p:nvSpPr>
               <p:cNvPr id="121" name="ZoneTexte 120"/>
@@ -25142,8 +25174,8 @@
           </p:sp>
         </mc:Fallback>
       </mc:AlternateContent>
-      <mc:AlternateContent xmlns:mc="http://schemas.openxmlformats.org/markup-compatibility/2006">
-        <mc:Choice xmlns:a14="http://schemas.microsoft.com/office/drawing/2010/main" xmlns="" Requires="a14">
+      <mc:AlternateContent xmlns:mc="http://schemas.openxmlformats.org/markup-compatibility/2006" xmlns:a14="http://schemas.microsoft.com/office/drawing/2010/main">
+        <mc:Choice Requires="a14">
           <p:sp>
             <p:nvSpPr>
               <p:cNvPr id="122" name="ZoneTexte 121"/>
@@ -25199,7 +25231,7 @@
             </p:txBody>
           </p:sp>
         </mc:Choice>
-        <mc:Fallback>
+        <mc:Fallback xmlns="">
           <p:sp>
             <p:nvSpPr>
               <p:cNvPr id="122" name="ZoneTexte 121"/>
@@ -25610,7 +25642,7 @@
     </p:spTree>
     <p:extLst>
       <p:ext uri="{BB962C8B-B14F-4D97-AF65-F5344CB8AC3E}">
-        <p14:creationId xmlns:p14="http://schemas.microsoft.com/office/powerpoint/2010/main" xmlns="" val="1017125845"/>
+        <p14:creationId xmlns:p14="http://schemas.microsoft.com/office/powerpoint/2010/main" val="1017125845"/>
       </p:ext>
     </p:extLst>
   </p:cSld>
